--- a/VoiceRecognition_Zwischenstand.pptx
+++ b/VoiceRecognition_Zwischenstand.pptx
@@ -10,8 +10,10 @@
     <p:sldId id="268" r:id="rId4"/>
     <p:sldId id="263" r:id="rId5"/>
     <p:sldId id="265" r:id="rId6"/>
-    <p:sldId id="266" r:id="rId7"/>
-    <p:sldId id="261" r:id="rId8"/>
+    <p:sldId id="269" r:id="rId7"/>
+    <p:sldId id="270" r:id="rId8"/>
+    <p:sldId id="266" r:id="rId9"/>
+    <p:sldId id="261" r:id="rId10"/>
   </p:sldIdLst>
   <p:sldSz cx="12192000" cy="6858000"/>
   <p:notesSz cx="6858000" cy="9144000"/>
@@ -280,7 +282,7 @@
           <a:p>
             <a:fld id="{79C5A860-F335-4252-AA00-24FB67ED2982}" type="datetime1">
               <a:rPr lang="en-US" smtClean="0"/>
-              <a:t>11/27/2024</a:t>
+              <a:t>12/3/2024</a:t>
             </a:fld>
             <a:endParaRPr lang="en-US"/>
           </a:p>
@@ -480,7 +482,7 @@
           <a:p>
             <a:fld id="{46AB1048-0047-48CA-88BA-D69B470942CF}" type="datetime1">
               <a:rPr lang="en-US" smtClean="0"/>
-              <a:t>11/27/2024</a:t>
+              <a:t>12/3/2024</a:t>
             </a:fld>
             <a:endParaRPr lang="en-US"/>
           </a:p>
@@ -691,7 +693,7 @@
           <a:p>
             <a:fld id="{5BD83879-648C-49A9-81A2-0EF5946532D0}" type="datetime1">
               <a:rPr lang="en-US" smtClean="0"/>
-              <a:t>11/27/2024</a:t>
+              <a:t>12/3/2024</a:t>
             </a:fld>
             <a:endParaRPr lang="en-US"/>
           </a:p>
@@ -890,7 +892,7 @@
           <a:p>
             <a:fld id="{D04BC802-30E3-4658-9CCA-F873646FEC67}" type="datetime1">
               <a:rPr lang="en-US" smtClean="0"/>
-              <a:t>11/27/2024</a:t>
+              <a:t>12/3/2024</a:t>
             </a:fld>
             <a:endParaRPr lang="en-US"/>
           </a:p>
@@ -1169,7 +1171,7 @@
           <a:p>
             <a:fld id="{0AB227A3-19CE-4153-81CE-64EB7AB094B3}" type="datetime1">
               <a:rPr lang="en-US" smtClean="0"/>
-              <a:t>11/27/2024</a:t>
+              <a:t>12/3/2024</a:t>
             </a:fld>
             <a:endParaRPr lang="en-US"/>
           </a:p>
@@ -1437,7 +1439,7 @@
           <a:p>
             <a:fld id="{B819A100-10F6-477E-8847-29D479EF1C92}" type="datetime1">
               <a:rPr lang="en-US" smtClean="0"/>
-              <a:t>11/27/2024</a:t>
+              <a:t>12/3/2024</a:t>
             </a:fld>
             <a:endParaRPr lang="en-US"/>
           </a:p>
@@ -1852,7 +1854,7 @@
           <a:p>
             <a:fld id="{5DF128AB-198A-495F-8475-FDB360C9873F}" type="datetime1">
               <a:rPr lang="en-US" smtClean="0"/>
-              <a:t>11/27/2024</a:t>
+              <a:t>12/3/2024</a:t>
             </a:fld>
             <a:endParaRPr lang="en-US"/>
           </a:p>
@@ -1994,7 +1996,7 @@
           <a:p>
             <a:fld id="{021A235E-F8FD-479F-9FC7-18BE84110877}" type="datetime1">
               <a:rPr lang="en-US" smtClean="0"/>
-              <a:t>11/27/2024</a:t>
+              <a:t>12/3/2024</a:t>
             </a:fld>
             <a:endParaRPr lang="en-US"/>
           </a:p>
@@ -2108,7 +2110,7 @@
           <a:p>
             <a:fld id="{E890F09B-68DA-462E-9DB4-4C9ADAB8CBCC}" type="datetime1">
               <a:rPr lang="en-US" smtClean="0"/>
-              <a:t>11/27/2024</a:t>
+              <a:t>12/3/2024</a:t>
             </a:fld>
             <a:endParaRPr lang="en-US"/>
           </a:p>
@@ -2428,7 +2430,7 @@
           <a:p>
             <a:fld id="{17AC4E36-FABE-47EB-AA7F-C19A93824617}" type="datetime1">
               <a:rPr lang="en-US" smtClean="0"/>
-              <a:t>11/27/2024</a:t>
+              <a:t>12/3/2024</a:t>
             </a:fld>
             <a:endParaRPr lang="en-US"/>
           </a:p>
@@ -2726,7 +2728,7 @@
           <a:p>
             <a:fld id="{F199CE6B-5DE6-4A2D-B72E-5E8969F9F56F}" type="datetime1">
               <a:rPr lang="en-US" smtClean="0"/>
-              <a:t>11/27/2024</a:t>
+              <a:t>12/3/2024</a:t>
             </a:fld>
             <a:endParaRPr lang="en-US"/>
           </a:p>
@@ -3585,7 +3587,7 @@
           <a:p>
             <a:fld id="{F481A142-DA77-4A5F-AD1F-14E6C18F0F5F}" type="datetime1">
               <a:rPr lang="en-US" smtClean="0"/>
-              <a:t>11/27/2024</a:t>
+              <a:t>12/3/2024</a:t>
             </a:fld>
             <a:endParaRPr lang="en-US" dirty="0"/>
           </a:p>
@@ -5739,6 +5741,474 @@
   <p:cSld>
     <p:spTree>
       <p:nvGrpSpPr>
+        <p:cNvPr id="1" name="">
+          <a:extLst>
+            <a:ext uri="{FF2B5EF4-FFF2-40B4-BE49-F238E27FC236}">
+              <a16:creationId xmlns:a16="http://schemas.microsoft.com/office/drawing/2014/main" id="{11A75C80-285E-6E8A-2170-BD1D8F1E61E9}"/>
+            </a:ext>
+          </a:extLst>
+        </p:cNvPr>
+        <p:cNvGrpSpPr/>
+        <p:nvPr/>
+      </p:nvGrpSpPr>
+      <p:grpSpPr>
+        <a:xfrm>
+          <a:off x="0" y="0"/>
+          <a:ext cx="0" cy="0"/>
+          <a:chOff x="0" y="0"/>
+          <a:chExt cx="0" cy="0"/>
+        </a:xfrm>
+      </p:grpSpPr>
+      <p:sp>
+        <p:nvSpPr>
+          <p:cNvPr id="2" name="Titel 1">
+            <a:extLst>
+              <a:ext uri="{FF2B5EF4-FFF2-40B4-BE49-F238E27FC236}">
+                <a16:creationId xmlns:a16="http://schemas.microsoft.com/office/drawing/2014/main" id="{7935F30F-D740-A2FF-8F3C-F2F875EC988E}"/>
+              </a:ext>
+            </a:extLst>
+          </p:cNvPr>
+          <p:cNvSpPr>
+            <a:spLocks noGrp="1"/>
+          </p:cNvSpPr>
+          <p:nvPr>
+            <p:ph type="title"/>
+          </p:nvPr>
+        </p:nvSpPr>
+        <p:spPr/>
+        <p:txBody>
+          <a:bodyPr/>
+          <a:lstStyle/>
+          <a:p>
+            <a:r>
+              <a:rPr lang="de-DE" b="1" u="sng" dirty="0">
+                <a:latin typeface="Lucida Bright"/>
+                <a:cs typeface="Posterama"/>
+              </a:rPr>
+              <a:t>Aufbau CNN</a:t>
+            </a:r>
+          </a:p>
+        </p:txBody>
+      </p:sp>
+      <p:sp>
+        <p:nvSpPr>
+          <p:cNvPr id="6" name="Foliennummernplatzhalter 5">
+            <a:extLst>
+              <a:ext uri="{FF2B5EF4-FFF2-40B4-BE49-F238E27FC236}">
+                <a16:creationId xmlns:a16="http://schemas.microsoft.com/office/drawing/2014/main" id="{313BD3B3-DDF8-1137-5798-B8086E538E8E}"/>
+              </a:ext>
+            </a:extLst>
+          </p:cNvPr>
+          <p:cNvSpPr>
+            <a:spLocks noGrp="1"/>
+          </p:cNvSpPr>
+          <p:nvPr>
+            <p:ph type="sldNum" sz="quarter" idx="12"/>
+          </p:nvPr>
+        </p:nvSpPr>
+        <p:spPr/>
+        <p:txBody>
+          <a:bodyPr/>
+          <a:lstStyle/>
+          <a:p>
+            <a:fld id="{1F646F3F-274D-499B-ABBE-824EB4ABDC3D}" type="slidenum">
+              <a:rPr lang="en-US" smtClean="0"/>
+              <a:t>6</a:t>
+            </a:fld>
+            <a:endParaRPr lang="de-DE"/>
+          </a:p>
+        </p:txBody>
+      </p:sp>
+      <p:pic>
+        <p:nvPicPr>
+          <p:cNvPr id="13" name="Grafik 12" descr="Ein Bild, das Text, Schrift, Grafiken, Screenshot enthält.">
+            <a:extLst>
+              <a:ext uri="{FF2B5EF4-FFF2-40B4-BE49-F238E27FC236}">
+                <a16:creationId xmlns:a16="http://schemas.microsoft.com/office/drawing/2014/main" id="{CED970B2-FE34-0817-4747-8C1F34D40774}"/>
+              </a:ext>
+            </a:extLst>
+          </p:cNvPr>
+          <p:cNvPicPr>
+            <a:picLocks noChangeAspect="1"/>
+          </p:cNvPicPr>
+          <p:nvPr/>
+        </p:nvPicPr>
+        <p:blipFill>
+          <a:blip r:embed="rId2"/>
+          <a:stretch>
+            <a:fillRect/>
+          </a:stretch>
+        </p:blipFill>
+        <p:spPr>
+          <a:xfrm>
+            <a:off x="8125355" y="47624"/>
+            <a:ext cx="3738563" cy="678658"/>
+          </a:xfrm>
+          <a:prstGeom prst="rect">
+            <a:avLst/>
+          </a:prstGeom>
+        </p:spPr>
+      </p:pic>
+      <p:sp>
+        <p:nvSpPr>
+          <p:cNvPr id="9" name="Inhaltsplatzhalter 10">
+            <a:extLst>
+              <a:ext uri="{FF2B5EF4-FFF2-40B4-BE49-F238E27FC236}">
+                <a16:creationId xmlns:a16="http://schemas.microsoft.com/office/drawing/2014/main" id="{B087DA7B-6508-4CB0-6707-2F54F659CCF9}"/>
+              </a:ext>
+            </a:extLst>
+          </p:cNvPr>
+          <p:cNvSpPr>
+            <a:spLocks noGrp="1"/>
+          </p:cNvSpPr>
+          <p:nvPr>
+            <p:ph idx="1"/>
+          </p:nvPr>
+        </p:nvSpPr>
+        <p:spPr>
+          <a:xfrm>
+            <a:off x="609599" y="2106205"/>
+            <a:ext cx="7515755" cy="4528638"/>
+          </a:xfrm>
+        </p:spPr>
+        <p:txBody>
+          <a:bodyPr vert="horz" lIns="91440" tIns="45720" rIns="91440" bIns="45720" rtlCol="0" anchor="t">
+            <a:normAutofit fontScale="92500"/>
+          </a:bodyPr>
+          <a:lstStyle/>
+          <a:p>
+            <a:pPr marL="514350" indent="-514350">
+              <a:buAutoNum type="arabicPeriod"/>
+            </a:pPr>
+            <a:r>
+              <a:rPr lang="de-DE" sz="2800" dirty="0">
+                <a:cs typeface="Arial"/>
+              </a:rPr>
+              <a:t>Input </a:t>
+            </a:r>
+          </a:p>
+          <a:p>
+            <a:pPr marL="514350" indent="-514350">
+              <a:buAutoNum type="arabicPeriod"/>
+            </a:pPr>
+            <a:r>
+              <a:rPr lang="de-DE" sz="2800" dirty="0">
+                <a:cs typeface="Arial"/>
+              </a:rPr>
+              <a:t>Erste 1D-Faltung (32 </a:t>
+            </a:r>
+            <a:r>
+              <a:rPr lang="de-DE" sz="2800" dirty="0" err="1">
+                <a:cs typeface="Arial"/>
+              </a:rPr>
+              <a:t>Convolutions</a:t>
+            </a:r>
+            <a:r>
+              <a:rPr lang="de-DE" sz="2800" dirty="0">
+                <a:cs typeface="Arial"/>
+              </a:rPr>
+              <a:t>-Filter)</a:t>
+            </a:r>
+          </a:p>
+          <a:p>
+            <a:pPr marL="514350" indent="-514350">
+              <a:buAutoNum type="arabicPeriod"/>
+            </a:pPr>
+            <a:r>
+              <a:rPr lang="de-DE" sz="2800" dirty="0">
+                <a:cs typeface="Arial"/>
+              </a:rPr>
+              <a:t>Erstes 1D-Pooling (Abschnittslänge 2)</a:t>
+            </a:r>
+          </a:p>
+          <a:p>
+            <a:pPr marL="514350" indent="-514350">
+              <a:buAutoNum type="arabicPeriod"/>
+            </a:pPr>
+            <a:r>
+              <a:rPr lang="de-DE" sz="2800" dirty="0">
+                <a:cs typeface="Arial"/>
+              </a:rPr>
+              <a:t>Zweite 1D-Faltung (64 </a:t>
+            </a:r>
+            <a:r>
+              <a:rPr lang="de-DE" sz="2800" dirty="0" err="1">
+                <a:cs typeface="Arial"/>
+              </a:rPr>
+              <a:t>Convolutions</a:t>
+            </a:r>
+            <a:r>
+              <a:rPr lang="de-DE" sz="2800" dirty="0">
+                <a:cs typeface="Arial"/>
+              </a:rPr>
+              <a:t>-Filter)</a:t>
+            </a:r>
+          </a:p>
+          <a:p>
+            <a:pPr marL="514350" indent="-514350">
+              <a:buAutoNum type="arabicPeriod"/>
+            </a:pPr>
+            <a:r>
+              <a:rPr lang="de-DE" sz="2800" dirty="0">
+                <a:cs typeface="Arial"/>
+              </a:rPr>
+              <a:t>Zweites 1D-Pooling (Abschnittslänge 2)</a:t>
+            </a:r>
+          </a:p>
+          <a:p>
+            <a:pPr marL="514350" indent="-514350">
+              <a:buAutoNum type="arabicPeriod"/>
+            </a:pPr>
+            <a:r>
+              <a:rPr lang="de-DE" sz="2800" dirty="0">
+                <a:cs typeface="Arial"/>
+              </a:rPr>
+              <a:t>Flatten (1D-Vektor)</a:t>
+            </a:r>
+          </a:p>
+          <a:p>
+            <a:pPr marL="514350" indent="-514350">
+              <a:buAutoNum type="arabicPeriod"/>
+            </a:pPr>
+            <a:r>
+              <a:rPr lang="de-DE" sz="2800" dirty="0">
+                <a:cs typeface="Arial"/>
+              </a:rPr>
+              <a:t>Erste </a:t>
+            </a:r>
+            <a:r>
+              <a:rPr lang="de-DE" sz="2800" dirty="0" err="1">
+                <a:cs typeface="Arial"/>
+              </a:rPr>
+              <a:t>Dense</a:t>
+            </a:r>
+            <a:r>
+              <a:rPr lang="de-DE" sz="2800" dirty="0">
+                <a:cs typeface="Arial"/>
+              </a:rPr>
+              <a:t>-Schicht (64 Neuronen)</a:t>
+            </a:r>
+          </a:p>
+          <a:p>
+            <a:pPr marL="514350" indent="-514350">
+              <a:buAutoNum type="arabicPeriod"/>
+            </a:pPr>
+            <a:r>
+              <a:rPr lang="de-DE" sz="2800" dirty="0">
+                <a:cs typeface="Arial"/>
+              </a:rPr>
+              <a:t>Zweite </a:t>
+            </a:r>
+            <a:r>
+              <a:rPr lang="de-DE" sz="2800" dirty="0" err="1">
+                <a:cs typeface="Arial"/>
+              </a:rPr>
+              <a:t>Dense</a:t>
+            </a:r>
+            <a:r>
+              <a:rPr lang="de-DE" sz="2800" dirty="0">
+                <a:cs typeface="Arial"/>
+              </a:rPr>
+              <a:t>-Schicht (3 Neuronen/Sprecher)</a:t>
+            </a:r>
+          </a:p>
+          <a:p>
+            <a:pPr marL="514350" indent="-514350">
+              <a:buAutoNum type="arabicPeriod"/>
+            </a:pPr>
+            <a:endParaRPr lang="de-DE" sz="2800" dirty="0">
+              <a:cs typeface="Arial"/>
+            </a:endParaRPr>
+          </a:p>
+          <a:p>
+            <a:pPr marL="514350" indent="-514350">
+              <a:buAutoNum type="arabicPeriod"/>
+            </a:pPr>
+            <a:endParaRPr lang="de-DE" sz="2800" dirty="0">
+              <a:cs typeface="Arial"/>
+            </a:endParaRPr>
+          </a:p>
+        </p:txBody>
+      </p:sp>
+    </p:spTree>
+    <p:extLst>
+      <p:ext uri="{BB962C8B-B14F-4D97-AF65-F5344CB8AC3E}">
+        <p14:creationId xmlns:p14="http://schemas.microsoft.com/office/powerpoint/2010/main" val="3353912975"/>
+      </p:ext>
+    </p:extLst>
+  </p:cSld>
+  <p:clrMapOvr>
+    <a:masterClrMapping/>
+  </p:clrMapOvr>
+</p:sld>
+</file>
+
+<file path=ppt/slides/slide7.xml><?xml version="1.0" encoding="utf-8"?>
+<p:sld xmlns:a="http://schemas.openxmlformats.org/drawingml/2006/main" xmlns:r="http://schemas.openxmlformats.org/officeDocument/2006/relationships" xmlns:p="http://schemas.openxmlformats.org/presentationml/2006/main">
+  <p:cSld>
+    <p:spTree>
+      <p:nvGrpSpPr>
+        <p:cNvPr id="1" name="">
+          <a:extLst>
+            <a:ext uri="{FF2B5EF4-FFF2-40B4-BE49-F238E27FC236}">
+              <a16:creationId xmlns:a16="http://schemas.microsoft.com/office/drawing/2014/main" id="{E6929A18-C9FC-59D1-3F0C-428B22BE20D7}"/>
+            </a:ext>
+          </a:extLst>
+        </p:cNvPr>
+        <p:cNvGrpSpPr/>
+        <p:nvPr/>
+      </p:nvGrpSpPr>
+      <p:grpSpPr>
+        <a:xfrm>
+          <a:off x="0" y="0"/>
+          <a:ext cx="0" cy="0"/>
+          <a:chOff x="0" y="0"/>
+          <a:chExt cx="0" cy="0"/>
+        </a:xfrm>
+      </p:grpSpPr>
+      <p:sp>
+        <p:nvSpPr>
+          <p:cNvPr id="2" name="Titel 1">
+            <a:extLst>
+              <a:ext uri="{FF2B5EF4-FFF2-40B4-BE49-F238E27FC236}">
+                <a16:creationId xmlns:a16="http://schemas.microsoft.com/office/drawing/2014/main" id="{C94C5907-B8E6-AEA9-9829-3AA8090224F5}"/>
+              </a:ext>
+            </a:extLst>
+          </p:cNvPr>
+          <p:cNvSpPr>
+            <a:spLocks noGrp="1"/>
+          </p:cNvSpPr>
+          <p:nvPr>
+            <p:ph type="title"/>
+          </p:nvPr>
+        </p:nvSpPr>
+        <p:spPr/>
+        <p:txBody>
+          <a:bodyPr/>
+          <a:lstStyle/>
+          <a:p>
+            <a:r>
+              <a:rPr lang="de-DE" b="1" u="sng" dirty="0">
+                <a:latin typeface="Lucida Bright"/>
+                <a:cs typeface="Posterama"/>
+              </a:rPr>
+              <a:t>Training CNN</a:t>
+            </a:r>
+          </a:p>
+        </p:txBody>
+      </p:sp>
+      <p:sp>
+        <p:nvSpPr>
+          <p:cNvPr id="6" name="Foliennummernplatzhalter 5">
+            <a:extLst>
+              <a:ext uri="{FF2B5EF4-FFF2-40B4-BE49-F238E27FC236}">
+                <a16:creationId xmlns:a16="http://schemas.microsoft.com/office/drawing/2014/main" id="{C3359095-E8F1-F147-72E0-267363FA241C}"/>
+              </a:ext>
+            </a:extLst>
+          </p:cNvPr>
+          <p:cNvSpPr>
+            <a:spLocks noGrp="1"/>
+          </p:cNvSpPr>
+          <p:nvPr>
+            <p:ph type="sldNum" sz="quarter" idx="12"/>
+          </p:nvPr>
+        </p:nvSpPr>
+        <p:spPr/>
+        <p:txBody>
+          <a:bodyPr/>
+          <a:lstStyle/>
+          <a:p>
+            <a:fld id="{1F646F3F-274D-499B-ABBE-824EB4ABDC3D}" type="slidenum">
+              <a:rPr lang="en-US" smtClean="0"/>
+              <a:t>7</a:t>
+            </a:fld>
+            <a:endParaRPr lang="de-DE"/>
+          </a:p>
+        </p:txBody>
+      </p:sp>
+      <p:pic>
+        <p:nvPicPr>
+          <p:cNvPr id="13" name="Grafik 12" descr="Ein Bild, das Text, Schrift, Grafiken, Screenshot enthält.">
+            <a:extLst>
+              <a:ext uri="{FF2B5EF4-FFF2-40B4-BE49-F238E27FC236}">
+                <a16:creationId xmlns:a16="http://schemas.microsoft.com/office/drawing/2014/main" id="{552120D6-828E-1B7E-24C9-50B1997DB314}"/>
+              </a:ext>
+            </a:extLst>
+          </p:cNvPr>
+          <p:cNvPicPr>
+            <a:picLocks noChangeAspect="1"/>
+          </p:cNvPicPr>
+          <p:nvPr/>
+        </p:nvPicPr>
+        <p:blipFill>
+          <a:blip r:embed="rId2"/>
+          <a:stretch>
+            <a:fillRect/>
+          </a:stretch>
+        </p:blipFill>
+        <p:spPr>
+          <a:xfrm>
+            <a:off x="8125355" y="47624"/>
+            <a:ext cx="3738563" cy="678658"/>
+          </a:xfrm>
+          <a:prstGeom prst="rect">
+            <a:avLst/>
+          </a:prstGeom>
+        </p:spPr>
+      </p:pic>
+      <p:pic>
+        <p:nvPicPr>
+          <p:cNvPr id="11" name="Inhaltsplatzhalter 10" descr="Ein Bild, das Text, Screenshot, Karte Menü enthält.&#10;&#10;Automatisch generierte Beschreibung">
+            <a:extLst>
+              <a:ext uri="{FF2B5EF4-FFF2-40B4-BE49-F238E27FC236}">
+                <a16:creationId xmlns:a16="http://schemas.microsoft.com/office/drawing/2014/main" id="{EA29F647-A1A6-309B-FC91-83475C33EF0A}"/>
+              </a:ext>
+            </a:extLst>
+          </p:cNvPr>
+          <p:cNvPicPr>
+            <a:picLocks noGrp="1" noChangeAspect="1"/>
+          </p:cNvPicPr>
+          <p:nvPr>
+            <p:ph idx="1"/>
+          </p:nvPr>
+        </p:nvPicPr>
+        <p:blipFill>
+          <a:blip r:embed="rId3" cstate="print">
+            <a:extLst>
+              <a:ext uri="{28A0092B-C50C-407E-A947-70E740481C1C}">
+                <a14:useLocalDpi xmlns:a14="http://schemas.microsoft.com/office/drawing/2010/main" val="0"/>
+              </a:ext>
+            </a:extLst>
+          </a:blip>
+          <a:stretch>
+            <a:fillRect/>
+          </a:stretch>
+        </p:blipFill>
+        <p:spPr>
+          <a:xfrm>
+            <a:off x="2503883" y="2106613"/>
+            <a:ext cx="7184234" cy="4035425"/>
+          </a:xfrm>
+        </p:spPr>
+      </p:pic>
+    </p:spTree>
+    <p:extLst>
+      <p:ext uri="{BB962C8B-B14F-4D97-AF65-F5344CB8AC3E}">
+        <p14:creationId xmlns:p14="http://schemas.microsoft.com/office/powerpoint/2010/main" val="1010284131"/>
+      </p:ext>
+    </p:extLst>
+  </p:cSld>
+  <p:clrMapOvr>
+    <a:masterClrMapping/>
+  </p:clrMapOvr>
+</p:sld>
+</file>
+
+<file path=ppt/slides/slide8.xml><?xml version="1.0" encoding="utf-8"?>
+<p:sld xmlns:a="http://schemas.openxmlformats.org/drawingml/2006/main" xmlns:r="http://schemas.openxmlformats.org/officeDocument/2006/relationships" xmlns:p="http://schemas.openxmlformats.org/presentationml/2006/main">
+  <p:cSld>
+    <p:spTree>
+      <p:nvGrpSpPr>
         <p:cNvPr id="1" name=""/>
         <p:cNvGrpSpPr/>
         <p:nvPr/>
@@ -5809,7 +6279,7 @@
           <a:p>
             <a:fld id="{1F646F3F-274D-499B-ABBE-824EB4ABDC3D}" type="slidenum">
               <a:rPr lang="en-US" smtClean="0"/>
-              <a:t>6</a:t>
+              <a:t>8</a:t>
             </a:fld>
             <a:endParaRPr lang="de-DE"/>
           </a:p>
@@ -5854,16 +6324,26 @@
               <a:buChar char="§"/>
             </a:pPr>
             <a:r>
-              <a:rPr lang="de-DE" sz="2400">
+              <a:rPr lang="de-DE" sz="2400" dirty="0">
                 <a:latin typeface="Arial"/>
                 <a:cs typeface="Arial"/>
               </a:rPr>
-              <a:t>Weiter Anpassung der Modellen und Otimierung.</a:t>
-            </a:r>
-            <a:endParaRPr lang="de-DE" sz="2400" dirty="0">
-              <a:latin typeface="Arial"/>
-              <a:cs typeface="Arial"/>
-            </a:endParaRPr>
+              <a:t>Weiter Anpassung der Modellen und </a:t>
+            </a:r>
+            <a:r>
+              <a:rPr lang="de-DE" sz="2400" dirty="0" err="1">
+                <a:latin typeface="Arial"/>
+                <a:cs typeface="Arial"/>
+              </a:rPr>
+              <a:t>Otimierung</a:t>
+            </a:r>
+            <a:r>
+              <a:rPr lang="de-DE" sz="2400" dirty="0">
+                <a:latin typeface="Arial"/>
+                <a:cs typeface="Arial"/>
+              </a:rPr>
+              <a:t>.</a:t>
+            </a:r>
           </a:p>
           <a:p>
             <a:pPr marL="342900" indent="-342900">
@@ -5884,13 +6364,13 @@
               <a:buChar char="§"/>
             </a:pPr>
             <a:r>
-              <a:rPr lang="de-DE" sz="2400">
+              <a:rPr lang="de-DE" sz="2400" dirty="0">
                 <a:latin typeface="Arial"/>
                 <a:cs typeface="Arial"/>
               </a:rPr>
               <a:t>Weiter Bearbeitung des Transkriptionsalgorithmus.</a:t>
             </a:r>
-            <a:endParaRPr lang="en-US" sz="2400">
+            <a:endParaRPr lang="en-US" sz="2400" dirty="0">
               <a:latin typeface="Arial"/>
               <a:cs typeface="Arial"/>
             </a:endParaRPr>
@@ -5901,16 +6381,12 @@
               <a:buChar char="§"/>
             </a:pPr>
             <a:r>
-              <a:rPr lang="de-DE" sz="2400">
+              <a:rPr lang="de-DE" sz="2400" dirty="0">
                 <a:latin typeface="Arial"/>
                 <a:cs typeface="Arial"/>
               </a:rPr>
               <a:t>Vergleich von Ansätzen und Dokumentation.</a:t>
             </a:r>
-            <a:endParaRPr lang="de-DE" sz="2400" dirty="0">
-              <a:latin typeface="Arial"/>
-              <a:cs typeface="Arial"/>
-            </a:endParaRPr>
           </a:p>
           <a:p>
             <a:pPr marL="342900" indent="-342900">
@@ -5918,13 +6394,13 @@
               <a:buChar char="§"/>
             </a:pPr>
             <a:r>
-              <a:rPr lang="de-DE" sz="2400">
+              <a:rPr lang="de-DE" sz="2400" dirty="0">
                 <a:latin typeface="Arial"/>
                 <a:cs typeface="Arial"/>
               </a:rPr>
               <a:t>Vorstellung der Ergebnisse.</a:t>
             </a:r>
-            <a:endParaRPr lang="en-US" sz="2400">
+            <a:endParaRPr lang="en-US" sz="2400" dirty="0">
               <a:latin typeface="Arial"/>
               <a:cs typeface="Arial"/>
             </a:endParaRPr>
@@ -6018,7 +6494,7 @@
 </p:sld>
 </file>
 
-<file path=ppt/slides/slide7.xml><?xml version="1.0" encoding="utf-8"?>
+<file path=ppt/slides/slide9.xml><?xml version="1.0" encoding="utf-8"?>
 <p:sld xmlns:a="http://schemas.openxmlformats.org/drawingml/2006/main" xmlns:r="http://schemas.openxmlformats.org/officeDocument/2006/relationships" xmlns:p="http://schemas.openxmlformats.org/presentationml/2006/main">
   <p:cSld>
     <p:spTree>
@@ -6110,7 +6586,7 @@
           <a:p>
             <a:fld id="{1F646F3F-274D-499B-ABBE-824EB4ABDC3D}" type="slidenum">
               <a:rPr lang="en-US" smtClean="0"/>
-              <a:t>7</a:t>
+              <a:t>9</a:t>
             </a:fld>
             <a:endParaRPr lang="de-DE"/>
           </a:p>

--- a/VoiceRecognition_Zwischenstand.pptx
+++ b/VoiceRecognition_Zwischenstand.pptx
@@ -12,8 +12,9 @@
     <p:sldId id="265" r:id="rId6"/>
     <p:sldId id="269" r:id="rId7"/>
     <p:sldId id="270" r:id="rId8"/>
-    <p:sldId id="266" r:id="rId9"/>
-    <p:sldId id="261" r:id="rId10"/>
+    <p:sldId id="271" r:id="rId9"/>
+    <p:sldId id="266" r:id="rId10"/>
+    <p:sldId id="261" r:id="rId11"/>
   </p:sldIdLst>
   <p:sldSz cx="12192000" cy="6858000"/>
   <p:notesSz cx="6858000" cy="9144000"/>
@@ -4832,7 +4833,7 @@
 </p:sld>
 </file>
 
-<file path=ppt/slides/slide2.xml><?xml version="1.0" encoding="utf-8"?>
+<file path=ppt/slides/slide10.xml><?xml version="1.0" encoding="utf-8"?>
 <p:sld xmlns:a="http://schemas.openxmlformats.org/drawingml/2006/main" xmlns:r="http://schemas.openxmlformats.org/officeDocument/2006/relationships" xmlns:p="http://schemas.openxmlformats.org/presentationml/2006/main">
   <p:cSld>
     <p:spTree>
@@ -4865,1668 +4866,6 @@
             <p:ph type="title"/>
           </p:nvPr>
         </p:nvSpPr>
-        <p:spPr/>
-        <p:txBody>
-          <a:bodyPr/>
-          <a:lstStyle/>
-          <a:p>
-            <a:r>
-              <a:rPr lang="de-DE" b="1" u="sng" dirty="0">
-                <a:latin typeface="Lucida Bright"/>
-                <a:cs typeface="Posterama"/>
-              </a:rPr>
-              <a:t>Agenda</a:t>
-            </a:r>
-          </a:p>
-        </p:txBody>
-      </p:sp>
-      <p:sp>
-        <p:nvSpPr>
-          <p:cNvPr id="6" name="Foliennummernplatzhalter 5">
-            <a:extLst>
-              <a:ext uri="{FF2B5EF4-FFF2-40B4-BE49-F238E27FC236}">
-                <a16:creationId xmlns:a16="http://schemas.microsoft.com/office/drawing/2014/main" id="{0A1D13E5-5CD6-4D9B-103E-82BE5D070BD1}"/>
-              </a:ext>
-            </a:extLst>
-          </p:cNvPr>
-          <p:cNvSpPr>
-            <a:spLocks noGrp="1"/>
-          </p:cNvSpPr>
-          <p:nvPr>
-            <p:ph type="sldNum" sz="quarter" idx="12"/>
-          </p:nvPr>
-        </p:nvSpPr>
-        <p:spPr/>
-        <p:txBody>
-          <a:bodyPr/>
-          <a:lstStyle/>
-          <a:p>
-            <a:fld id="{1F646F3F-274D-499B-ABBE-824EB4ABDC3D}" type="slidenum">
-              <a:rPr lang="en-US" smtClean="0"/>
-              <a:t>2</a:t>
-            </a:fld>
-            <a:endParaRPr lang="de-DE"/>
-          </a:p>
-        </p:txBody>
-      </p:sp>
-      <p:sp>
-        <p:nvSpPr>
-          <p:cNvPr id="11" name="Inhaltsplatzhalter 10">
-            <a:extLst>
-              <a:ext uri="{FF2B5EF4-FFF2-40B4-BE49-F238E27FC236}">
-                <a16:creationId xmlns:a16="http://schemas.microsoft.com/office/drawing/2014/main" id="{05F80AF8-CB3F-279A-8E5B-30156FCB4095}"/>
-              </a:ext>
-            </a:extLst>
-          </p:cNvPr>
-          <p:cNvSpPr>
-            <a:spLocks noGrp="1"/>
-          </p:cNvSpPr>
-          <p:nvPr>
-            <p:ph idx="1"/>
-          </p:nvPr>
-        </p:nvSpPr>
-        <p:spPr>
-          <a:xfrm>
-            <a:off x="609600" y="2106205"/>
-            <a:ext cx="10972800" cy="3823948"/>
-          </a:xfrm>
-        </p:spPr>
-        <p:txBody>
-          <a:bodyPr vert="horz" lIns="91440" tIns="45720" rIns="91440" bIns="45720" rtlCol="0" anchor="t">
-            <a:normAutofit fontScale="92500" lnSpcReduction="10000"/>
-          </a:bodyPr>
-          <a:lstStyle/>
-          <a:p>
-            <a:r>
-              <a:rPr lang="de-DE" sz="2800" dirty="0">
-                <a:ea typeface="+mn-lt"/>
-                <a:cs typeface="+mn-lt"/>
-              </a:rPr>
-              <a:t>Automatische Protokollierung </a:t>
-            </a:r>
-            <a:r>
-              <a:rPr lang="de-DE" sz="2800" dirty="0"/>
-              <a:t>von live als auch auf Aufnahmen zur Erkennung von:</a:t>
-            </a:r>
-            <a:endParaRPr lang="de-DE" dirty="0"/>
-          </a:p>
-          <a:p>
-            <a:pPr marL="685800" lvl="1" indent="-457200">
-              <a:buFont typeface="Wingdings" panose="05000000000000000000" pitchFamily="2" charset="2"/>
-              <a:buChar char="§"/>
-            </a:pPr>
-            <a:r>
-              <a:rPr lang="de-DE" sz="2600" b="1" dirty="0"/>
-              <a:t>Thema</a:t>
-            </a:r>
-          </a:p>
-          <a:p>
-            <a:pPr marL="685800" lvl="1" indent="-457200">
-              <a:buFont typeface="Wingdings" panose="05000000000000000000" pitchFamily="2" charset="2"/>
-              <a:buChar char="§"/>
-            </a:pPr>
-            <a:r>
-              <a:rPr lang="de-DE" sz="2600" b="1" dirty="0">
-                <a:latin typeface="Avenir Next LT Pro"/>
-                <a:cs typeface="Arial"/>
-              </a:rPr>
-              <a:t>Modellen</a:t>
-            </a:r>
-          </a:p>
-          <a:p>
-            <a:pPr marL="685800" lvl="1" indent="-457200">
-              <a:buFont typeface="Wingdings" panose="05000000000000000000" pitchFamily="2" charset="2"/>
-              <a:buChar char="§"/>
-            </a:pPr>
-            <a:r>
-              <a:rPr lang="de-DE" sz="2600" b="1" dirty="0">
-                <a:latin typeface="Avenir Next LT Pro"/>
-                <a:cs typeface="Arial"/>
-              </a:rPr>
-              <a:t>Planung</a:t>
-            </a:r>
-          </a:p>
-          <a:p>
-            <a:pPr marL="685800" lvl="1" indent="-457200">
-              <a:buFont typeface="Wingdings" panose="05000000000000000000" pitchFamily="2" charset="2"/>
-              <a:buChar char="§"/>
-            </a:pPr>
-            <a:r>
-              <a:rPr lang="de-DE" sz="2600" b="1">
-                <a:latin typeface="Avenir Next LT Pro"/>
-                <a:cs typeface="Arial"/>
-              </a:rPr>
-              <a:t>Libraries und Quellen</a:t>
-            </a:r>
-            <a:endParaRPr lang="de-DE" sz="2600" b="1" dirty="0">
-              <a:latin typeface="Avenir Next LT Pro"/>
-              <a:cs typeface="Arial"/>
-            </a:endParaRPr>
-          </a:p>
-          <a:p>
-            <a:pPr marL="457200" indent="-457200">
-              <a:buFont typeface="Wingdings,Sans-Serif" panose="05000000000000000000" pitchFamily="2" charset="2"/>
-              <a:buChar char="§"/>
-            </a:pPr>
-            <a:endParaRPr lang="de-DE" sz="2800" dirty="0">
-              <a:latin typeface="Arial"/>
-              <a:cs typeface="Arial"/>
-            </a:endParaRPr>
-          </a:p>
-          <a:p>
-            <a:r>
-              <a:rPr lang="de-DE" sz="2800" dirty="0"/>
-              <a:t> </a:t>
-            </a:r>
-          </a:p>
-        </p:txBody>
-      </p:sp>
-      <p:pic>
-        <p:nvPicPr>
-          <p:cNvPr id="13" name="Grafik 12" descr="Ein Bild, das Text, Schrift, Grafiken, Screenshot enthält.">
-            <a:extLst>
-              <a:ext uri="{FF2B5EF4-FFF2-40B4-BE49-F238E27FC236}">
-                <a16:creationId xmlns:a16="http://schemas.microsoft.com/office/drawing/2014/main" id="{5333A9AD-A782-28E0-CF2E-35C52F9795F3}"/>
-              </a:ext>
-            </a:extLst>
-          </p:cNvPr>
-          <p:cNvPicPr>
-            <a:picLocks noChangeAspect="1"/>
-          </p:cNvPicPr>
-          <p:nvPr/>
-        </p:nvPicPr>
-        <p:blipFill>
-          <a:blip r:embed="rId2"/>
-          <a:stretch>
-            <a:fillRect/>
-          </a:stretch>
-        </p:blipFill>
-        <p:spPr>
-          <a:xfrm>
-            <a:off x="8114772" y="47624"/>
-            <a:ext cx="3738563" cy="678658"/>
-          </a:xfrm>
-          <a:prstGeom prst="rect">
-            <a:avLst/>
-          </a:prstGeom>
-        </p:spPr>
-      </p:pic>
-    </p:spTree>
-    <p:extLst>
-      <p:ext uri="{BB962C8B-B14F-4D97-AF65-F5344CB8AC3E}">
-        <p14:creationId xmlns:p14="http://schemas.microsoft.com/office/powerpoint/2010/main" val="1514715835"/>
-      </p:ext>
-    </p:extLst>
-  </p:cSld>
-  <p:clrMapOvr>
-    <a:masterClrMapping/>
-  </p:clrMapOvr>
-</p:sld>
-</file>
-
-<file path=ppt/slides/slide3.xml><?xml version="1.0" encoding="utf-8"?>
-<p:sld xmlns:a="http://schemas.openxmlformats.org/drawingml/2006/main" xmlns:r="http://schemas.openxmlformats.org/officeDocument/2006/relationships" xmlns:p="http://schemas.openxmlformats.org/presentationml/2006/main">
-  <p:cSld>
-    <p:spTree>
-      <p:nvGrpSpPr>
-        <p:cNvPr id="1" name=""/>
-        <p:cNvGrpSpPr/>
-        <p:nvPr/>
-      </p:nvGrpSpPr>
-      <p:grpSpPr>
-        <a:xfrm>
-          <a:off x="0" y="0"/>
-          <a:ext cx="0" cy="0"/>
-          <a:chOff x="0" y="0"/>
-          <a:chExt cx="0" cy="0"/>
-        </a:xfrm>
-      </p:grpSpPr>
-      <p:sp>
-        <p:nvSpPr>
-          <p:cNvPr id="2" name="Titel 1">
-            <a:extLst>
-              <a:ext uri="{FF2B5EF4-FFF2-40B4-BE49-F238E27FC236}">
-                <a16:creationId xmlns:a16="http://schemas.microsoft.com/office/drawing/2014/main" id="{5F927641-F6B1-1C11-381B-D4E3D37285D2}"/>
-              </a:ext>
-            </a:extLst>
-          </p:cNvPr>
-          <p:cNvSpPr>
-            <a:spLocks noGrp="1"/>
-          </p:cNvSpPr>
-          <p:nvPr>
-            <p:ph type="title"/>
-          </p:nvPr>
-        </p:nvSpPr>
-        <p:spPr/>
-        <p:txBody>
-          <a:bodyPr/>
-          <a:lstStyle/>
-          <a:p>
-            <a:r>
-              <a:rPr lang="de-DE" b="1" u="sng">
-                <a:latin typeface="Lucida Bright"/>
-                <a:cs typeface="Posterama"/>
-              </a:rPr>
-              <a:t>Thema</a:t>
-            </a:r>
-            <a:endParaRPr lang="de-DE" b="1" u="sng" dirty="0">
-              <a:latin typeface="Lucida Bright"/>
-              <a:cs typeface="Posterama"/>
-            </a:endParaRPr>
-          </a:p>
-        </p:txBody>
-      </p:sp>
-      <p:sp>
-        <p:nvSpPr>
-          <p:cNvPr id="6" name="Foliennummernplatzhalter 5">
-            <a:extLst>
-              <a:ext uri="{FF2B5EF4-FFF2-40B4-BE49-F238E27FC236}">
-                <a16:creationId xmlns:a16="http://schemas.microsoft.com/office/drawing/2014/main" id="{0A1D13E5-5CD6-4D9B-103E-82BE5D070BD1}"/>
-              </a:ext>
-            </a:extLst>
-          </p:cNvPr>
-          <p:cNvSpPr>
-            <a:spLocks noGrp="1"/>
-          </p:cNvSpPr>
-          <p:nvPr>
-            <p:ph type="sldNum" sz="quarter" idx="12"/>
-          </p:nvPr>
-        </p:nvSpPr>
-        <p:spPr/>
-        <p:txBody>
-          <a:bodyPr/>
-          <a:lstStyle/>
-          <a:p>
-            <a:fld id="{1F646F3F-274D-499B-ABBE-824EB4ABDC3D}" type="slidenum">
-              <a:rPr lang="en-US" smtClean="0"/>
-              <a:t>3</a:t>
-            </a:fld>
-            <a:endParaRPr lang="de-DE"/>
-          </a:p>
-        </p:txBody>
-      </p:sp>
-      <p:sp>
-        <p:nvSpPr>
-          <p:cNvPr id="11" name="Inhaltsplatzhalter 10">
-            <a:extLst>
-              <a:ext uri="{FF2B5EF4-FFF2-40B4-BE49-F238E27FC236}">
-                <a16:creationId xmlns:a16="http://schemas.microsoft.com/office/drawing/2014/main" id="{05F80AF8-CB3F-279A-8E5B-30156FCB4095}"/>
-              </a:ext>
-            </a:extLst>
-          </p:cNvPr>
-          <p:cNvSpPr>
-            <a:spLocks noGrp="1"/>
-          </p:cNvSpPr>
-          <p:nvPr>
-            <p:ph idx="1"/>
-          </p:nvPr>
-        </p:nvSpPr>
-        <p:spPr>
-          <a:xfrm>
-            <a:off x="609600" y="2106205"/>
-            <a:ext cx="10972800" cy="3823948"/>
-          </a:xfrm>
-        </p:spPr>
-        <p:txBody>
-          <a:bodyPr vert="horz" lIns="91440" tIns="45720" rIns="91440" bIns="45720" rtlCol="0" anchor="t">
-            <a:normAutofit fontScale="92500" lnSpcReduction="20000"/>
-          </a:bodyPr>
-          <a:lstStyle/>
-          <a:p>
-            <a:r>
-              <a:rPr lang="de-DE" sz="2800" dirty="0">
-                <a:ea typeface="+mn-lt"/>
-                <a:cs typeface="+mn-lt"/>
-              </a:rPr>
-              <a:t>Automatische Protokollierung </a:t>
-            </a:r>
-            <a:r>
-              <a:rPr lang="de-DE" sz="2800" dirty="0"/>
-              <a:t>von live als auch auf Aufnahmen zur Erkennung von:</a:t>
-            </a:r>
-            <a:endParaRPr lang="de-DE" dirty="0"/>
-          </a:p>
-          <a:p>
-            <a:pPr marL="457200" indent="-457200">
-              <a:buFont typeface="Wingdings" panose="05000000000000000000" pitchFamily="2" charset="2"/>
-              <a:buChar char="§"/>
-            </a:pPr>
-            <a:r>
-              <a:rPr lang="de-DE" sz="2800" b="1" dirty="0"/>
-              <a:t>Sprecher</a:t>
-            </a:r>
-            <a:r>
-              <a:rPr lang="de-DE" sz="2800" dirty="0"/>
-              <a:t> (Stimmerkennung)</a:t>
-            </a:r>
-          </a:p>
-          <a:p>
-            <a:pPr marL="457200" indent="-457200">
-              <a:buFont typeface="Wingdings" panose="05000000000000000000" pitchFamily="2" charset="2"/>
-              <a:buChar char="§"/>
-            </a:pPr>
-            <a:r>
-              <a:rPr lang="de-DE" sz="2800" b="1" dirty="0"/>
-              <a:t>Inhalt</a:t>
-            </a:r>
-            <a:r>
-              <a:rPr lang="de-DE" sz="2800" dirty="0"/>
-              <a:t> (Audio </a:t>
-            </a:r>
-            <a:r>
-              <a:rPr lang="de-DE" sz="2800" dirty="0">
-                <a:sym typeface="Wingdings" panose="05000000000000000000" pitchFamily="2" charset="2"/>
-              </a:rPr>
-              <a:t></a:t>
-            </a:r>
-            <a:r>
-              <a:rPr lang="de-DE" sz="2800" dirty="0"/>
-              <a:t> Text)</a:t>
-            </a:r>
-          </a:p>
-          <a:p>
-            <a:endParaRPr lang="de-DE" sz="2800" dirty="0">
-              <a:latin typeface="Avenir Next LT Pro"/>
-              <a:cs typeface="Arial"/>
-            </a:endParaRPr>
-          </a:p>
-          <a:p>
-            <a:r>
-              <a:rPr lang="de-DE" sz="2800" b="1" dirty="0">
-                <a:latin typeface="Avenir Next LT Pro"/>
-                <a:cs typeface="Arial"/>
-              </a:rPr>
-              <a:t>Nutzen</a:t>
-            </a:r>
-            <a:r>
-              <a:rPr lang="de-DE" sz="2800" dirty="0">
-                <a:latin typeface="Avenir Next LT Pro"/>
-                <a:cs typeface="Arial"/>
-              </a:rPr>
-              <a:t>: </a:t>
-            </a:r>
-            <a:r>
-              <a:rPr lang="de-DE" sz="2800" dirty="0" err="1">
-                <a:latin typeface="Avenir Next LT Pro"/>
-                <a:cs typeface="Arial"/>
-              </a:rPr>
-              <a:t>Meetingsprotokoll</a:t>
-            </a:r>
-            <a:r>
-              <a:rPr lang="de-DE" sz="2800" dirty="0">
-                <a:latin typeface="Avenir Next LT Pro"/>
-                <a:cs typeface="Arial"/>
-              </a:rPr>
-              <a:t>, Untertitel Hörgeräte, Diktiergerät</a:t>
-            </a:r>
-          </a:p>
-          <a:p>
-            <a:pPr marL="457200" indent="-457200">
-              <a:buFont typeface="Wingdings,Sans-Serif" panose="05000000000000000000" pitchFamily="2" charset="2"/>
-              <a:buChar char="§"/>
-            </a:pPr>
-            <a:endParaRPr lang="de-DE" sz="2800" dirty="0">
-              <a:latin typeface="Arial"/>
-              <a:cs typeface="Arial"/>
-            </a:endParaRPr>
-          </a:p>
-          <a:p>
-            <a:r>
-              <a:rPr lang="de-DE" sz="2800" dirty="0"/>
-              <a:t> </a:t>
-            </a:r>
-          </a:p>
-        </p:txBody>
-      </p:sp>
-      <p:pic>
-        <p:nvPicPr>
-          <p:cNvPr id="13" name="Grafik 12" descr="Ein Bild, das Text, Schrift, Grafiken, Screenshot enthält.">
-            <a:extLst>
-              <a:ext uri="{FF2B5EF4-FFF2-40B4-BE49-F238E27FC236}">
-                <a16:creationId xmlns:a16="http://schemas.microsoft.com/office/drawing/2014/main" id="{5333A9AD-A782-28E0-CF2E-35C52F9795F3}"/>
-              </a:ext>
-            </a:extLst>
-          </p:cNvPr>
-          <p:cNvPicPr>
-            <a:picLocks noChangeAspect="1"/>
-          </p:cNvPicPr>
-          <p:nvPr/>
-        </p:nvPicPr>
-        <p:blipFill>
-          <a:blip r:embed="rId2"/>
-          <a:stretch>
-            <a:fillRect/>
-          </a:stretch>
-        </p:blipFill>
-        <p:spPr>
-          <a:xfrm>
-            <a:off x="8114772" y="47624"/>
-            <a:ext cx="3738563" cy="678658"/>
-          </a:xfrm>
-          <a:prstGeom prst="rect">
-            <a:avLst/>
-          </a:prstGeom>
-        </p:spPr>
-      </p:pic>
-    </p:spTree>
-    <p:extLst>
-      <p:ext uri="{BB962C8B-B14F-4D97-AF65-F5344CB8AC3E}">
-        <p14:creationId xmlns:p14="http://schemas.microsoft.com/office/powerpoint/2010/main" val="3863843368"/>
-      </p:ext>
-    </p:extLst>
-  </p:cSld>
-  <p:clrMapOvr>
-    <a:masterClrMapping/>
-  </p:clrMapOvr>
-</p:sld>
-</file>
-
-<file path=ppt/slides/slide4.xml><?xml version="1.0" encoding="utf-8"?>
-<p:sld xmlns:a="http://schemas.openxmlformats.org/drawingml/2006/main" xmlns:r="http://schemas.openxmlformats.org/officeDocument/2006/relationships" xmlns:p="http://schemas.openxmlformats.org/presentationml/2006/main">
-  <p:cSld>
-    <p:spTree>
-      <p:nvGrpSpPr>
-        <p:cNvPr id="1" name=""/>
-        <p:cNvGrpSpPr/>
-        <p:nvPr/>
-      </p:nvGrpSpPr>
-      <p:grpSpPr>
-        <a:xfrm>
-          <a:off x="0" y="0"/>
-          <a:ext cx="0" cy="0"/>
-          <a:chOff x="0" y="0"/>
-          <a:chExt cx="0" cy="0"/>
-        </a:xfrm>
-      </p:grpSpPr>
-      <p:sp>
-        <p:nvSpPr>
-          <p:cNvPr id="2" name="Titel 1">
-            <a:extLst>
-              <a:ext uri="{FF2B5EF4-FFF2-40B4-BE49-F238E27FC236}">
-                <a16:creationId xmlns:a16="http://schemas.microsoft.com/office/drawing/2014/main" id="{5F927641-F6B1-1C11-381B-D4E3D37285D2}"/>
-              </a:ext>
-            </a:extLst>
-          </p:cNvPr>
-          <p:cNvSpPr>
-            <a:spLocks noGrp="1"/>
-          </p:cNvSpPr>
-          <p:nvPr>
-            <p:ph type="title"/>
-          </p:nvPr>
-        </p:nvSpPr>
-        <p:spPr/>
-        <p:txBody>
-          <a:bodyPr/>
-          <a:lstStyle/>
-          <a:p>
-            <a:r>
-              <a:rPr lang="de-DE" b="1" u="sng">
-                <a:latin typeface="Lucida Bright"/>
-                <a:cs typeface="Posterama"/>
-              </a:rPr>
-              <a:t>Modellen</a:t>
-            </a:r>
-            <a:endParaRPr lang="de-DE" b="1" u="sng" dirty="0">
-              <a:latin typeface="Lucida Bright"/>
-              <a:cs typeface="Posterama"/>
-            </a:endParaRPr>
-          </a:p>
-        </p:txBody>
-      </p:sp>
-      <p:sp>
-        <p:nvSpPr>
-          <p:cNvPr id="6" name="Foliennummernplatzhalter 5">
-            <a:extLst>
-              <a:ext uri="{FF2B5EF4-FFF2-40B4-BE49-F238E27FC236}">
-                <a16:creationId xmlns:a16="http://schemas.microsoft.com/office/drawing/2014/main" id="{0A1D13E5-5CD6-4D9B-103E-82BE5D070BD1}"/>
-              </a:ext>
-            </a:extLst>
-          </p:cNvPr>
-          <p:cNvSpPr>
-            <a:spLocks noGrp="1"/>
-          </p:cNvSpPr>
-          <p:nvPr>
-            <p:ph type="sldNum" sz="quarter" idx="12"/>
-          </p:nvPr>
-        </p:nvSpPr>
-        <p:spPr/>
-        <p:txBody>
-          <a:bodyPr/>
-          <a:lstStyle/>
-          <a:p>
-            <a:fld id="{1F646F3F-274D-499B-ABBE-824EB4ABDC3D}" type="slidenum">
-              <a:rPr lang="en-US" smtClean="0"/>
-              <a:t>4</a:t>
-            </a:fld>
-            <a:endParaRPr lang="de-DE"/>
-          </a:p>
-        </p:txBody>
-      </p:sp>
-      <p:sp>
-        <p:nvSpPr>
-          <p:cNvPr id="11" name="Inhaltsplatzhalter 10">
-            <a:extLst>
-              <a:ext uri="{FF2B5EF4-FFF2-40B4-BE49-F238E27FC236}">
-                <a16:creationId xmlns:a16="http://schemas.microsoft.com/office/drawing/2014/main" id="{05F80AF8-CB3F-279A-8E5B-30156FCB4095}"/>
-              </a:ext>
-            </a:extLst>
-          </p:cNvPr>
-          <p:cNvSpPr>
-            <a:spLocks noGrp="1"/>
-          </p:cNvSpPr>
-          <p:nvPr>
-            <p:ph idx="1"/>
-          </p:nvPr>
-        </p:nvSpPr>
-        <p:spPr>
-          <a:xfrm>
-            <a:off x="609600" y="2106205"/>
-            <a:ext cx="10972800" cy="1332003"/>
-          </a:xfrm>
-        </p:spPr>
-        <p:txBody>
-          <a:bodyPr vert="horz" lIns="91440" tIns="45720" rIns="91440" bIns="45720" rtlCol="0" anchor="t">
-            <a:normAutofit/>
-          </a:bodyPr>
-          <a:lstStyle/>
-          <a:p>
-            <a:pPr marL="457200" indent="-457200">
-              <a:buFont typeface="Wingdings" panose="05000000000000000000" pitchFamily="2" charset="2"/>
-              <a:buChar char="§"/>
-            </a:pPr>
-            <a:r>
-              <a:rPr lang="de-DE" sz="2800" b="1" dirty="0"/>
-              <a:t>CNN</a:t>
-            </a:r>
-            <a:r>
-              <a:rPr lang="de-DE" sz="2800" dirty="0"/>
-              <a:t> (Neuronal Netze bei Felix)</a:t>
-            </a:r>
-          </a:p>
-          <a:p>
-            <a:pPr marL="457200" indent="-457200">
-              <a:buFont typeface="Wingdings" panose="05000000000000000000" pitchFamily="2" charset="2"/>
-              <a:buChar char="§"/>
-            </a:pPr>
-            <a:r>
-              <a:rPr lang="de-DE" sz="2800" b="1" dirty="0"/>
-              <a:t>SVM </a:t>
-            </a:r>
-            <a:r>
-              <a:rPr lang="de-DE" sz="2800" dirty="0"/>
-              <a:t>(</a:t>
-            </a:r>
-            <a:r>
-              <a:rPr lang="de-DE" sz="2800" dirty="0" err="1"/>
-              <a:t>Vecktor</a:t>
-            </a:r>
-            <a:r>
-              <a:rPr lang="de-DE" sz="2800" dirty="0"/>
-              <a:t> </a:t>
-            </a:r>
-            <a:r>
-              <a:rPr lang="de-DE" sz="2800" dirty="0" err="1"/>
-              <a:t>Machine</a:t>
-            </a:r>
-            <a:r>
-              <a:rPr lang="de-DE" sz="2800" dirty="0"/>
-              <a:t> bei </a:t>
-            </a:r>
-            <a:r>
-              <a:rPr lang="de-DE" sz="2800" dirty="0" err="1"/>
-              <a:t>Linelle</a:t>
-            </a:r>
-            <a:r>
-              <a:rPr lang="de-DE" sz="2800" dirty="0"/>
-              <a:t>)</a:t>
-            </a:r>
-          </a:p>
-          <a:p>
-            <a:endParaRPr lang="de-DE" sz="2800" dirty="0"/>
-          </a:p>
-        </p:txBody>
-      </p:sp>
-      <p:pic>
-        <p:nvPicPr>
-          <p:cNvPr id="13" name="Grafik 12" descr="Ein Bild, das Text, Schrift, Grafiken, Screenshot enthält.">
-            <a:extLst>
-              <a:ext uri="{FF2B5EF4-FFF2-40B4-BE49-F238E27FC236}">
-                <a16:creationId xmlns:a16="http://schemas.microsoft.com/office/drawing/2014/main" id="{5333A9AD-A782-28E0-CF2E-35C52F9795F3}"/>
-              </a:ext>
-            </a:extLst>
-          </p:cNvPr>
-          <p:cNvPicPr>
-            <a:picLocks noChangeAspect="1"/>
-          </p:cNvPicPr>
-          <p:nvPr/>
-        </p:nvPicPr>
-        <p:blipFill>
-          <a:blip r:embed="rId2"/>
-          <a:stretch>
-            <a:fillRect/>
-          </a:stretch>
-        </p:blipFill>
-        <p:spPr>
-          <a:xfrm>
-            <a:off x="8125355" y="47624"/>
-            <a:ext cx="3738563" cy="678658"/>
-          </a:xfrm>
-          <a:prstGeom prst="rect">
-            <a:avLst/>
-          </a:prstGeom>
-        </p:spPr>
-      </p:pic>
-    </p:spTree>
-    <p:extLst>
-      <p:ext uri="{BB962C8B-B14F-4D97-AF65-F5344CB8AC3E}">
-        <p14:creationId xmlns:p14="http://schemas.microsoft.com/office/powerpoint/2010/main" val="1390798680"/>
-      </p:ext>
-    </p:extLst>
-  </p:cSld>
-  <p:clrMapOvr>
-    <a:masterClrMapping/>
-  </p:clrMapOvr>
-</p:sld>
-</file>
-
-<file path=ppt/slides/slide5.xml><?xml version="1.0" encoding="utf-8"?>
-<p:sld xmlns:a="http://schemas.openxmlformats.org/drawingml/2006/main" xmlns:r="http://schemas.openxmlformats.org/officeDocument/2006/relationships" xmlns:p="http://schemas.openxmlformats.org/presentationml/2006/main">
-  <p:cSld>
-    <p:spTree>
-      <p:nvGrpSpPr>
-        <p:cNvPr id="1" name=""/>
-        <p:cNvGrpSpPr/>
-        <p:nvPr/>
-      </p:nvGrpSpPr>
-      <p:grpSpPr>
-        <a:xfrm>
-          <a:off x="0" y="0"/>
-          <a:ext cx="0" cy="0"/>
-          <a:chOff x="0" y="0"/>
-          <a:chExt cx="0" cy="0"/>
-        </a:xfrm>
-      </p:grpSpPr>
-      <p:sp>
-        <p:nvSpPr>
-          <p:cNvPr id="2" name="Titel 1">
-            <a:extLst>
-              <a:ext uri="{FF2B5EF4-FFF2-40B4-BE49-F238E27FC236}">
-                <a16:creationId xmlns:a16="http://schemas.microsoft.com/office/drawing/2014/main" id="{5F927641-F6B1-1C11-381B-D4E3D37285D2}"/>
-              </a:ext>
-            </a:extLst>
-          </p:cNvPr>
-          <p:cNvSpPr>
-            <a:spLocks noGrp="1"/>
-          </p:cNvSpPr>
-          <p:nvPr>
-            <p:ph type="title"/>
-          </p:nvPr>
-        </p:nvSpPr>
-        <p:spPr/>
-        <p:txBody>
-          <a:bodyPr/>
-          <a:lstStyle/>
-          <a:p>
-            <a:r>
-              <a:rPr lang="de-DE" b="1" u="sng" dirty="0">
-                <a:latin typeface="Lucida Bright"/>
-                <a:cs typeface="Posterama"/>
-              </a:rPr>
-              <a:t>Stand SVM</a:t>
-            </a:r>
-          </a:p>
-        </p:txBody>
-      </p:sp>
-      <p:sp>
-        <p:nvSpPr>
-          <p:cNvPr id="6" name="Foliennummernplatzhalter 5">
-            <a:extLst>
-              <a:ext uri="{FF2B5EF4-FFF2-40B4-BE49-F238E27FC236}">
-                <a16:creationId xmlns:a16="http://schemas.microsoft.com/office/drawing/2014/main" id="{0A1D13E5-5CD6-4D9B-103E-82BE5D070BD1}"/>
-              </a:ext>
-            </a:extLst>
-          </p:cNvPr>
-          <p:cNvSpPr>
-            <a:spLocks noGrp="1"/>
-          </p:cNvSpPr>
-          <p:nvPr>
-            <p:ph type="sldNum" sz="quarter" idx="12"/>
-          </p:nvPr>
-        </p:nvSpPr>
-        <p:spPr/>
-        <p:txBody>
-          <a:bodyPr/>
-          <a:lstStyle/>
-          <a:p>
-            <a:fld id="{1F646F3F-274D-499B-ABBE-824EB4ABDC3D}" type="slidenum">
-              <a:rPr lang="en-US" smtClean="0"/>
-              <a:t>5</a:t>
-            </a:fld>
-            <a:endParaRPr lang="de-DE"/>
-          </a:p>
-        </p:txBody>
-      </p:sp>
-      <p:pic>
-        <p:nvPicPr>
-          <p:cNvPr id="13" name="Grafik 12" descr="Ein Bild, das Text, Schrift, Grafiken, Screenshot enthält.">
-            <a:extLst>
-              <a:ext uri="{FF2B5EF4-FFF2-40B4-BE49-F238E27FC236}">
-                <a16:creationId xmlns:a16="http://schemas.microsoft.com/office/drawing/2014/main" id="{5333A9AD-A782-28E0-CF2E-35C52F9795F3}"/>
-              </a:ext>
-            </a:extLst>
-          </p:cNvPr>
-          <p:cNvPicPr>
-            <a:picLocks noChangeAspect="1"/>
-          </p:cNvPicPr>
-          <p:nvPr/>
-        </p:nvPicPr>
-        <p:blipFill>
-          <a:blip r:embed="rId2"/>
-          <a:stretch>
-            <a:fillRect/>
-          </a:stretch>
-        </p:blipFill>
-        <p:spPr>
-          <a:xfrm>
-            <a:off x="8125355" y="47624"/>
-            <a:ext cx="3738563" cy="678658"/>
-          </a:xfrm>
-          <a:prstGeom prst="rect">
-            <a:avLst/>
-          </a:prstGeom>
-        </p:spPr>
-      </p:pic>
-      <p:pic>
-        <p:nvPicPr>
-          <p:cNvPr id="3" name="Grafik 2" descr="Ein Bild, das Text, Screenshot, Diagramm, Rechteck enthält.&#10;&#10;Beschreibung automatisch generiert.">
-            <a:extLst>
-              <a:ext uri="{FF2B5EF4-FFF2-40B4-BE49-F238E27FC236}">
-                <a16:creationId xmlns:a16="http://schemas.microsoft.com/office/drawing/2014/main" id="{61228266-A1A0-4734-54AE-3A5BE2CBCFF6}"/>
-              </a:ext>
-            </a:extLst>
-          </p:cNvPr>
-          <p:cNvPicPr>
-            <a:picLocks noChangeAspect="1"/>
-          </p:cNvPicPr>
-          <p:nvPr/>
-        </p:nvPicPr>
-        <p:blipFill>
-          <a:blip r:embed="rId3"/>
-          <a:srcRect l="2105" t="7591" r="9895" b="-990"/>
-          <a:stretch/>
-        </p:blipFill>
-        <p:spPr>
-          <a:xfrm>
-            <a:off x="461242" y="2519796"/>
-            <a:ext cx="4816865" cy="3272762"/>
-          </a:xfrm>
-          <a:prstGeom prst="rect">
-            <a:avLst/>
-          </a:prstGeom>
-        </p:spPr>
-      </p:pic>
-      <p:pic>
-        <p:nvPicPr>
-          <p:cNvPr id="4" name="Grafik 3" descr="Ein Bild, das Text, Screenshot, Schrift enthält.&#10;&#10;Beschreibung automatisch generiert.">
-            <a:extLst>
-              <a:ext uri="{FF2B5EF4-FFF2-40B4-BE49-F238E27FC236}">
-                <a16:creationId xmlns:a16="http://schemas.microsoft.com/office/drawing/2014/main" id="{2ABD9218-3D50-D822-23AC-A985DEECEED5}"/>
-              </a:ext>
-            </a:extLst>
-          </p:cNvPr>
-          <p:cNvPicPr>
-            <a:picLocks noChangeAspect="1"/>
-          </p:cNvPicPr>
-          <p:nvPr/>
-        </p:nvPicPr>
-        <p:blipFill>
-          <a:blip r:embed="rId4"/>
-          <a:srcRect l="-52" r="123" b="12000"/>
-          <a:stretch/>
-        </p:blipFill>
-        <p:spPr>
-          <a:xfrm>
-            <a:off x="6098836" y="903542"/>
-            <a:ext cx="5961907" cy="3621024"/>
-          </a:xfrm>
-          <a:prstGeom prst="rect">
-            <a:avLst/>
-          </a:prstGeom>
-        </p:spPr>
-      </p:pic>
-      <p:pic>
-        <p:nvPicPr>
-          <p:cNvPr id="5" name="Grafik 4" descr="Ein Bild, das Text, Screenshot, Schrift enthält.&#10;&#10;Beschreibung automatisch generiert.">
-            <a:extLst>
-              <a:ext uri="{FF2B5EF4-FFF2-40B4-BE49-F238E27FC236}">
-                <a16:creationId xmlns:a16="http://schemas.microsoft.com/office/drawing/2014/main" id="{869B3BF8-09E7-FA27-8FCE-387DACEACDF7}"/>
-              </a:ext>
-            </a:extLst>
-          </p:cNvPr>
-          <p:cNvPicPr>
-            <a:picLocks noChangeAspect="1"/>
-          </p:cNvPicPr>
-          <p:nvPr/>
-        </p:nvPicPr>
-        <p:blipFill>
-          <a:blip r:embed="rId5"/>
-          <a:srcRect l="-21" t="21011" r="2183" b="-81"/>
-          <a:stretch/>
-        </p:blipFill>
-        <p:spPr>
-          <a:xfrm>
-            <a:off x="6097539" y="4514927"/>
-            <a:ext cx="5964235" cy="1747562"/>
-          </a:xfrm>
-          <a:prstGeom prst="rect">
-            <a:avLst/>
-          </a:prstGeom>
-        </p:spPr>
-      </p:pic>
-    </p:spTree>
-    <p:extLst>
-      <p:ext uri="{BB962C8B-B14F-4D97-AF65-F5344CB8AC3E}">
-        <p14:creationId xmlns:p14="http://schemas.microsoft.com/office/powerpoint/2010/main" val="4019152564"/>
-      </p:ext>
-    </p:extLst>
-  </p:cSld>
-  <p:clrMapOvr>
-    <a:masterClrMapping/>
-  </p:clrMapOvr>
-</p:sld>
-</file>
-
-<file path=ppt/slides/slide6.xml><?xml version="1.0" encoding="utf-8"?>
-<p:sld xmlns:a="http://schemas.openxmlformats.org/drawingml/2006/main" xmlns:r="http://schemas.openxmlformats.org/officeDocument/2006/relationships" xmlns:p="http://schemas.openxmlformats.org/presentationml/2006/main">
-  <p:cSld>
-    <p:spTree>
-      <p:nvGrpSpPr>
-        <p:cNvPr id="1" name="">
-          <a:extLst>
-            <a:ext uri="{FF2B5EF4-FFF2-40B4-BE49-F238E27FC236}">
-              <a16:creationId xmlns:a16="http://schemas.microsoft.com/office/drawing/2014/main" id="{11A75C80-285E-6E8A-2170-BD1D8F1E61E9}"/>
-            </a:ext>
-          </a:extLst>
-        </p:cNvPr>
-        <p:cNvGrpSpPr/>
-        <p:nvPr/>
-      </p:nvGrpSpPr>
-      <p:grpSpPr>
-        <a:xfrm>
-          <a:off x="0" y="0"/>
-          <a:ext cx="0" cy="0"/>
-          <a:chOff x="0" y="0"/>
-          <a:chExt cx="0" cy="0"/>
-        </a:xfrm>
-      </p:grpSpPr>
-      <p:sp>
-        <p:nvSpPr>
-          <p:cNvPr id="2" name="Titel 1">
-            <a:extLst>
-              <a:ext uri="{FF2B5EF4-FFF2-40B4-BE49-F238E27FC236}">
-                <a16:creationId xmlns:a16="http://schemas.microsoft.com/office/drawing/2014/main" id="{7935F30F-D740-A2FF-8F3C-F2F875EC988E}"/>
-              </a:ext>
-            </a:extLst>
-          </p:cNvPr>
-          <p:cNvSpPr>
-            <a:spLocks noGrp="1"/>
-          </p:cNvSpPr>
-          <p:nvPr>
-            <p:ph type="title"/>
-          </p:nvPr>
-        </p:nvSpPr>
-        <p:spPr/>
-        <p:txBody>
-          <a:bodyPr/>
-          <a:lstStyle/>
-          <a:p>
-            <a:r>
-              <a:rPr lang="de-DE" b="1" u="sng" dirty="0">
-                <a:latin typeface="Lucida Bright"/>
-                <a:cs typeface="Posterama"/>
-              </a:rPr>
-              <a:t>Aufbau CNN</a:t>
-            </a:r>
-          </a:p>
-        </p:txBody>
-      </p:sp>
-      <p:sp>
-        <p:nvSpPr>
-          <p:cNvPr id="6" name="Foliennummernplatzhalter 5">
-            <a:extLst>
-              <a:ext uri="{FF2B5EF4-FFF2-40B4-BE49-F238E27FC236}">
-                <a16:creationId xmlns:a16="http://schemas.microsoft.com/office/drawing/2014/main" id="{313BD3B3-DDF8-1137-5798-B8086E538E8E}"/>
-              </a:ext>
-            </a:extLst>
-          </p:cNvPr>
-          <p:cNvSpPr>
-            <a:spLocks noGrp="1"/>
-          </p:cNvSpPr>
-          <p:nvPr>
-            <p:ph type="sldNum" sz="quarter" idx="12"/>
-          </p:nvPr>
-        </p:nvSpPr>
-        <p:spPr/>
-        <p:txBody>
-          <a:bodyPr/>
-          <a:lstStyle/>
-          <a:p>
-            <a:fld id="{1F646F3F-274D-499B-ABBE-824EB4ABDC3D}" type="slidenum">
-              <a:rPr lang="en-US" smtClean="0"/>
-              <a:t>6</a:t>
-            </a:fld>
-            <a:endParaRPr lang="de-DE"/>
-          </a:p>
-        </p:txBody>
-      </p:sp>
-      <p:pic>
-        <p:nvPicPr>
-          <p:cNvPr id="13" name="Grafik 12" descr="Ein Bild, das Text, Schrift, Grafiken, Screenshot enthält.">
-            <a:extLst>
-              <a:ext uri="{FF2B5EF4-FFF2-40B4-BE49-F238E27FC236}">
-                <a16:creationId xmlns:a16="http://schemas.microsoft.com/office/drawing/2014/main" id="{CED970B2-FE34-0817-4747-8C1F34D40774}"/>
-              </a:ext>
-            </a:extLst>
-          </p:cNvPr>
-          <p:cNvPicPr>
-            <a:picLocks noChangeAspect="1"/>
-          </p:cNvPicPr>
-          <p:nvPr/>
-        </p:nvPicPr>
-        <p:blipFill>
-          <a:blip r:embed="rId2"/>
-          <a:stretch>
-            <a:fillRect/>
-          </a:stretch>
-        </p:blipFill>
-        <p:spPr>
-          <a:xfrm>
-            <a:off x="8125355" y="47624"/>
-            <a:ext cx="3738563" cy="678658"/>
-          </a:xfrm>
-          <a:prstGeom prst="rect">
-            <a:avLst/>
-          </a:prstGeom>
-        </p:spPr>
-      </p:pic>
-      <p:sp>
-        <p:nvSpPr>
-          <p:cNvPr id="9" name="Inhaltsplatzhalter 10">
-            <a:extLst>
-              <a:ext uri="{FF2B5EF4-FFF2-40B4-BE49-F238E27FC236}">
-                <a16:creationId xmlns:a16="http://schemas.microsoft.com/office/drawing/2014/main" id="{B087DA7B-6508-4CB0-6707-2F54F659CCF9}"/>
-              </a:ext>
-            </a:extLst>
-          </p:cNvPr>
-          <p:cNvSpPr>
-            <a:spLocks noGrp="1"/>
-          </p:cNvSpPr>
-          <p:nvPr>
-            <p:ph idx="1"/>
-          </p:nvPr>
-        </p:nvSpPr>
-        <p:spPr>
-          <a:xfrm>
-            <a:off x="609599" y="2106205"/>
-            <a:ext cx="7515755" cy="4528638"/>
-          </a:xfrm>
-        </p:spPr>
-        <p:txBody>
-          <a:bodyPr vert="horz" lIns="91440" tIns="45720" rIns="91440" bIns="45720" rtlCol="0" anchor="t">
-            <a:normAutofit fontScale="92500"/>
-          </a:bodyPr>
-          <a:lstStyle/>
-          <a:p>
-            <a:pPr marL="514350" indent="-514350">
-              <a:buAutoNum type="arabicPeriod"/>
-            </a:pPr>
-            <a:r>
-              <a:rPr lang="de-DE" sz="2800" dirty="0">
-                <a:cs typeface="Arial"/>
-              </a:rPr>
-              <a:t>Input </a:t>
-            </a:r>
-          </a:p>
-          <a:p>
-            <a:pPr marL="514350" indent="-514350">
-              <a:buAutoNum type="arabicPeriod"/>
-            </a:pPr>
-            <a:r>
-              <a:rPr lang="de-DE" sz="2800" dirty="0">
-                <a:cs typeface="Arial"/>
-              </a:rPr>
-              <a:t>Erste 1D-Faltung (32 </a:t>
-            </a:r>
-            <a:r>
-              <a:rPr lang="de-DE" sz="2800" dirty="0" err="1">
-                <a:cs typeface="Arial"/>
-              </a:rPr>
-              <a:t>Convolutions</a:t>
-            </a:r>
-            <a:r>
-              <a:rPr lang="de-DE" sz="2800" dirty="0">
-                <a:cs typeface="Arial"/>
-              </a:rPr>
-              <a:t>-Filter)</a:t>
-            </a:r>
-          </a:p>
-          <a:p>
-            <a:pPr marL="514350" indent="-514350">
-              <a:buAutoNum type="arabicPeriod"/>
-            </a:pPr>
-            <a:r>
-              <a:rPr lang="de-DE" sz="2800" dirty="0">
-                <a:cs typeface="Arial"/>
-              </a:rPr>
-              <a:t>Erstes 1D-Pooling (Abschnittslänge 2)</a:t>
-            </a:r>
-          </a:p>
-          <a:p>
-            <a:pPr marL="514350" indent="-514350">
-              <a:buAutoNum type="arabicPeriod"/>
-            </a:pPr>
-            <a:r>
-              <a:rPr lang="de-DE" sz="2800" dirty="0">
-                <a:cs typeface="Arial"/>
-              </a:rPr>
-              <a:t>Zweite 1D-Faltung (64 </a:t>
-            </a:r>
-            <a:r>
-              <a:rPr lang="de-DE" sz="2800" dirty="0" err="1">
-                <a:cs typeface="Arial"/>
-              </a:rPr>
-              <a:t>Convolutions</a:t>
-            </a:r>
-            <a:r>
-              <a:rPr lang="de-DE" sz="2800" dirty="0">
-                <a:cs typeface="Arial"/>
-              </a:rPr>
-              <a:t>-Filter)</a:t>
-            </a:r>
-          </a:p>
-          <a:p>
-            <a:pPr marL="514350" indent="-514350">
-              <a:buAutoNum type="arabicPeriod"/>
-            </a:pPr>
-            <a:r>
-              <a:rPr lang="de-DE" sz="2800" dirty="0">
-                <a:cs typeface="Arial"/>
-              </a:rPr>
-              <a:t>Zweites 1D-Pooling (Abschnittslänge 2)</a:t>
-            </a:r>
-          </a:p>
-          <a:p>
-            <a:pPr marL="514350" indent="-514350">
-              <a:buAutoNum type="arabicPeriod"/>
-            </a:pPr>
-            <a:r>
-              <a:rPr lang="de-DE" sz="2800" dirty="0">
-                <a:cs typeface="Arial"/>
-              </a:rPr>
-              <a:t>Flatten (1D-Vektor)</a:t>
-            </a:r>
-          </a:p>
-          <a:p>
-            <a:pPr marL="514350" indent="-514350">
-              <a:buAutoNum type="arabicPeriod"/>
-            </a:pPr>
-            <a:r>
-              <a:rPr lang="de-DE" sz="2800" dirty="0">
-                <a:cs typeface="Arial"/>
-              </a:rPr>
-              <a:t>Erste </a:t>
-            </a:r>
-            <a:r>
-              <a:rPr lang="de-DE" sz="2800" dirty="0" err="1">
-                <a:cs typeface="Arial"/>
-              </a:rPr>
-              <a:t>Dense</a:t>
-            </a:r>
-            <a:r>
-              <a:rPr lang="de-DE" sz="2800" dirty="0">
-                <a:cs typeface="Arial"/>
-              </a:rPr>
-              <a:t>-Schicht (64 Neuronen)</a:t>
-            </a:r>
-          </a:p>
-          <a:p>
-            <a:pPr marL="514350" indent="-514350">
-              <a:buAutoNum type="arabicPeriod"/>
-            </a:pPr>
-            <a:r>
-              <a:rPr lang="de-DE" sz="2800" dirty="0">
-                <a:cs typeface="Arial"/>
-              </a:rPr>
-              <a:t>Zweite </a:t>
-            </a:r>
-            <a:r>
-              <a:rPr lang="de-DE" sz="2800" dirty="0" err="1">
-                <a:cs typeface="Arial"/>
-              </a:rPr>
-              <a:t>Dense</a:t>
-            </a:r>
-            <a:r>
-              <a:rPr lang="de-DE" sz="2800" dirty="0">
-                <a:cs typeface="Arial"/>
-              </a:rPr>
-              <a:t>-Schicht (3 Neuronen/Sprecher)</a:t>
-            </a:r>
-          </a:p>
-          <a:p>
-            <a:pPr marL="514350" indent="-514350">
-              <a:buAutoNum type="arabicPeriod"/>
-            </a:pPr>
-            <a:endParaRPr lang="de-DE" sz="2800" dirty="0">
-              <a:cs typeface="Arial"/>
-            </a:endParaRPr>
-          </a:p>
-          <a:p>
-            <a:pPr marL="514350" indent="-514350">
-              <a:buAutoNum type="arabicPeriod"/>
-            </a:pPr>
-            <a:endParaRPr lang="de-DE" sz="2800" dirty="0">
-              <a:cs typeface="Arial"/>
-            </a:endParaRPr>
-          </a:p>
-        </p:txBody>
-      </p:sp>
-    </p:spTree>
-    <p:extLst>
-      <p:ext uri="{BB962C8B-B14F-4D97-AF65-F5344CB8AC3E}">
-        <p14:creationId xmlns:p14="http://schemas.microsoft.com/office/powerpoint/2010/main" val="3353912975"/>
-      </p:ext>
-    </p:extLst>
-  </p:cSld>
-  <p:clrMapOvr>
-    <a:masterClrMapping/>
-  </p:clrMapOvr>
-</p:sld>
-</file>
-
-<file path=ppt/slides/slide7.xml><?xml version="1.0" encoding="utf-8"?>
-<p:sld xmlns:a="http://schemas.openxmlformats.org/drawingml/2006/main" xmlns:r="http://schemas.openxmlformats.org/officeDocument/2006/relationships" xmlns:p="http://schemas.openxmlformats.org/presentationml/2006/main">
-  <p:cSld>
-    <p:spTree>
-      <p:nvGrpSpPr>
-        <p:cNvPr id="1" name="">
-          <a:extLst>
-            <a:ext uri="{FF2B5EF4-FFF2-40B4-BE49-F238E27FC236}">
-              <a16:creationId xmlns:a16="http://schemas.microsoft.com/office/drawing/2014/main" id="{E6929A18-C9FC-59D1-3F0C-428B22BE20D7}"/>
-            </a:ext>
-          </a:extLst>
-        </p:cNvPr>
-        <p:cNvGrpSpPr/>
-        <p:nvPr/>
-      </p:nvGrpSpPr>
-      <p:grpSpPr>
-        <a:xfrm>
-          <a:off x="0" y="0"/>
-          <a:ext cx="0" cy="0"/>
-          <a:chOff x="0" y="0"/>
-          <a:chExt cx="0" cy="0"/>
-        </a:xfrm>
-      </p:grpSpPr>
-      <p:sp>
-        <p:nvSpPr>
-          <p:cNvPr id="2" name="Titel 1">
-            <a:extLst>
-              <a:ext uri="{FF2B5EF4-FFF2-40B4-BE49-F238E27FC236}">
-                <a16:creationId xmlns:a16="http://schemas.microsoft.com/office/drawing/2014/main" id="{C94C5907-B8E6-AEA9-9829-3AA8090224F5}"/>
-              </a:ext>
-            </a:extLst>
-          </p:cNvPr>
-          <p:cNvSpPr>
-            <a:spLocks noGrp="1"/>
-          </p:cNvSpPr>
-          <p:nvPr>
-            <p:ph type="title"/>
-          </p:nvPr>
-        </p:nvSpPr>
-        <p:spPr/>
-        <p:txBody>
-          <a:bodyPr/>
-          <a:lstStyle/>
-          <a:p>
-            <a:r>
-              <a:rPr lang="de-DE" b="1" u="sng" dirty="0">
-                <a:latin typeface="Lucida Bright"/>
-                <a:cs typeface="Posterama"/>
-              </a:rPr>
-              <a:t>Training CNN</a:t>
-            </a:r>
-          </a:p>
-        </p:txBody>
-      </p:sp>
-      <p:sp>
-        <p:nvSpPr>
-          <p:cNvPr id="6" name="Foliennummernplatzhalter 5">
-            <a:extLst>
-              <a:ext uri="{FF2B5EF4-FFF2-40B4-BE49-F238E27FC236}">
-                <a16:creationId xmlns:a16="http://schemas.microsoft.com/office/drawing/2014/main" id="{C3359095-E8F1-F147-72E0-267363FA241C}"/>
-              </a:ext>
-            </a:extLst>
-          </p:cNvPr>
-          <p:cNvSpPr>
-            <a:spLocks noGrp="1"/>
-          </p:cNvSpPr>
-          <p:nvPr>
-            <p:ph type="sldNum" sz="quarter" idx="12"/>
-          </p:nvPr>
-        </p:nvSpPr>
-        <p:spPr/>
-        <p:txBody>
-          <a:bodyPr/>
-          <a:lstStyle/>
-          <a:p>
-            <a:fld id="{1F646F3F-274D-499B-ABBE-824EB4ABDC3D}" type="slidenum">
-              <a:rPr lang="en-US" smtClean="0"/>
-              <a:t>7</a:t>
-            </a:fld>
-            <a:endParaRPr lang="de-DE"/>
-          </a:p>
-        </p:txBody>
-      </p:sp>
-      <p:pic>
-        <p:nvPicPr>
-          <p:cNvPr id="13" name="Grafik 12" descr="Ein Bild, das Text, Schrift, Grafiken, Screenshot enthält.">
-            <a:extLst>
-              <a:ext uri="{FF2B5EF4-FFF2-40B4-BE49-F238E27FC236}">
-                <a16:creationId xmlns:a16="http://schemas.microsoft.com/office/drawing/2014/main" id="{552120D6-828E-1B7E-24C9-50B1997DB314}"/>
-              </a:ext>
-            </a:extLst>
-          </p:cNvPr>
-          <p:cNvPicPr>
-            <a:picLocks noChangeAspect="1"/>
-          </p:cNvPicPr>
-          <p:nvPr/>
-        </p:nvPicPr>
-        <p:blipFill>
-          <a:blip r:embed="rId2"/>
-          <a:stretch>
-            <a:fillRect/>
-          </a:stretch>
-        </p:blipFill>
-        <p:spPr>
-          <a:xfrm>
-            <a:off x="8125355" y="47624"/>
-            <a:ext cx="3738563" cy="678658"/>
-          </a:xfrm>
-          <a:prstGeom prst="rect">
-            <a:avLst/>
-          </a:prstGeom>
-        </p:spPr>
-      </p:pic>
-      <p:pic>
-        <p:nvPicPr>
-          <p:cNvPr id="11" name="Inhaltsplatzhalter 10" descr="Ein Bild, das Text, Screenshot, Karte Menü enthält.&#10;&#10;Automatisch generierte Beschreibung">
-            <a:extLst>
-              <a:ext uri="{FF2B5EF4-FFF2-40B4-BE49-F238E27FC236}">
-                <a16:creationId xmlns:a16="http://schemas.microsoft.com/office/drawing/2014/main" id="{EA29F647-A1A6-309B-FC91-83475C33EF0A}"/>
-              </a:ext>
-            </a:extLst>
-          </p:cNvPr>
-          <p:cNvPicPr>
-            <a:picLocks noGrp="1" noChangeAspect="1"/>
-          </p:cNvPicPr>
-          <p:nvPr>
-            <p:ph idx="1"/>
-          </p:nvPr>
-        </p:nvPicPr>
-        <p:blipFill>
-          <a:blip r:embed="rId3" cstate="print">
-            <a:extLst>
-              <a:ext uri="{28A0092B-C50C-407E-A947-70E740481C1C}">
-                <a14:useLocalDpi xmlns:a14="http://schemas.microsoft.com/office/drawing/2010/main" val="0"/>
-              </a:ext>
-            </a:extLst>
-          </a:blip>
-          <a:stretch>
-            <a:fillRect/>
-          </a:stretch>
-        </p:blipFill>
-        <p:spPr>
-          <a:xfrm>
-            <a:off x="2503883" y="2106613"/>
-            <a:ext cx="7184234" cy="4035425"/>
-          </a:xfrm>
-        </p:spPr>
-      </p:pic>
-    </p:spTree>
-    <p:extLst>
-      <p:ext uri="{BB962C8B-B14F-4D97-AF65-F5344CB8AC3E}">
-        <p14:creationId xmlns:p14="http://schemas.microsoft.com/office/powerpoint/2010/main" val="1010284131"/>
-      </p:ext>
-    </p:extLst>
-  </p:cSld>
-  <p:clrMapOvr>
-    <a:masterClrMapping/>
-  </p:clrMapOvr>
-</p:sld>
-</file>
-
-<file path=ppt/slides/slide8.xml><?xml version="1.0" encoding="utf-8"?>
-<p:sld xmlns:a="http://schemas.openxmlformats.org/drawingml/2006/main" xmlns:r="http://schemas.openxmlformats.org/officeDocument/2006/relationships" xmlns:p="http://schemas.openxmlformats.org/presentationml/2006/main">
-  <p:cSld>
-    <p:spTree>
-      <p:nvGrpSpPr>
-        <p:cNvPr id="1" name=""/>
-        <p:cNvGrpSpPr/>
-        <p:nvPr/>
-      </p:nvGrpSpPr>
-      <p:grpSpPr>
-        <a:xfrm>
-          <a:off x="0" y="0"/>
-          <a:ext cx="0" cy="0"/>
-          <a:chOff x="0" y="0"/>
-          <a:chExt cx="0" cy="0"/>
-        </a:xfrm>
-      </p:grpSpPr>
-      <p:sp>
-        <p:nvSpPr>
-          <p:cNvPr id="2" name="Titel 1">
-            <a:extLst>
-              <a:ext uri="{FF2B5EF4-FFF2-40B4-BE49-F238E27FC236}">
-                <a16:creationId xmlns:a16="http://schemas.microsoft.com/office/drawing/2014/main" id="{5F927641-F6B1-1C11-381B-D4E3D37285D2}"/>
-              </a:ext>
-            </a:extLst>
-          </p:cNvPr>
-          <p:cNvSpPr>
-            <a:spLocks noGrp="1"/>
-          </p:cNvSpPr>
-          <p:nvPr>
-            <p:ph type="title"/>
-          </p:nvPr>
-        </p:nvSpPr>
-        <p:spPr/>
-        <p:txBody>
-          <a:bodyPr/>
-          <a:lstStyle/>
-          <a:p>
-            <a:r>
-              <a:rPr lang="de-DE" b="1" u="sng">
-                <a:latin typeface="Lucida Bright"/>
-                <a:cs typeface="Posterama"/>
-              </a:rPr>
-              <a:t>Planung</a:t>
-            </a:r>
-            <a:endParaRPr lang="de-DE" b="1" u="sng" dirty="0">
-              <a:latin typeface="Lucida Bright"/>
-              <a:cs typeface="Posterama"/>
-            </a:endParaRPr>
-          </a:p>
-        </p:txBody>
-      </p:sp>
-      <p:sp>
-        <p:nvSpPr>
-          <p:cNvPr id="6" name="Foliennummernplatzhalter 5">
-            <a:extLst>
-              <a:ext uri="{FF2B5EF4-FFF2-40B4-BE49-F238E27FC236}">
-                <a16:creationId xmlns:a16="http://schemas.microsoft.com/office/drawing/2014/main" id="{0A1D13E5-5CD6-4D9B-103E-82BE5D070BD1}"/>
-              </a:ext>
-            </a:extLst>
-          </p:cNvPr>
-          <p:cNvSpPr>
-            <a:spLocks noGrp="1"/>
-          </p:cNvSpPr>
-          <p:nvPr>
-            <p:ph type="sldNum" sz="quarter" idx="12"/>
-          </p:nvPr>
-        </p:nvSpPr>
-        <p:spPr/>
-        <p:txBody>
-          <a:bodyPr/>
-          <a:lstStyle/>
-          <a:p>
-            <a:fld id="{1F646F3F-274D-499B-ABBE-824EB4ABDC3D}" type="slidenum">
-              <a:rPr lang="en-US" smtClean="0"/>
-              <a:t>8</a:t>
-            </a:fld>
-            <a:endParaRPr lang="de-DE"/>
-          </a:p>
-        </p:txBody>
-      </p:sp>
-      <p:sp>
-        <p:nvSpPr>
-          <p:cNvPr id="11" name="Inhaltsplatzhalter 10">
-            <a:extLst>
-              <a:ext uri="{FF2B5EF4-FFF2-40B4-BE49-F238E27FC236}">
-                <a16:creationId xmlns:a16="http://schemas.microsoft.com/office/drawing/2014/main" id="{05F80AF8-CB3F-279A-8E5B-30156FCB4095}"/>
-              </a:ext>
-            </a:extLst>
-          </p:cNvPr>
-          <p:cNvSpPr>
-            <a:spLocks noGrp="1"/>
-          </p:cNvSpPr>
-          <p:nvPr>
-            <p:ph idx="1"/>
-          </p:nvPr>
-        </p:nvSpPr>
-        <p:spPr>
-          <a:xfrm>
-            <a:off x="609600" y="2106205"/>
-            <a:ext cx="10972800" cy="3823948"/>
-          </a:xfrm>
-        </p:spPr>
-        <p:txBody>
-          <a:bodyPr vert="horz" lIns="91440" tIns="45720" rIns="91440" bIns="45720" rtlCol="0" anchor="t">
-            <a:normAutofit/>
-          </a:bodyPr>
-          <a:lstStyle/>
-          <a:p>
-            <a:endParaRPr lang="de-DE" sz="2400" dirty="0">
-              <a:latin typeface="Arial"/>
-              <a:cs typeface="Arial"/>
-            </a:endParaRPr>
-          </a:p>
-          <a:p>
-            <a:pPr marL="342900" indent="-342900">
-              <a:buFont typeface="Wingdings,Sans-Serif" panose="05000000000000000000" pitchFamily="2" charset="2"/>
-              <a:buChar char="§"/>
-            </a:pPr>
-            <a:r>
-              <a:rPr lang="de-DE" sz="2400" dirty="0">
-                <a:latin typeface="Arial"/>
-                <a:cs typeface="Arial"/>
-              </a:rPr>
-              <a:t>Weiter Anpassung der Modellen und </a:t>
-            </a:r>
-            <a:r>
-              <a:rPr lang="de-DE" sz="2400" dirty="0" err="1">
-                <a:latin typeface="Arial"/>
-                <a:cs typeface="Arial"/>
-              </a:rPr>
-              <a:t>Otimierung</a:t>
-            </a:r>
-            <a:r>
-              <a:rPr lang="de-DE" sz="2400" dirty="0">
-                <a:latin typeface="Arial"/>
-                <a:cs typeface="Arial"/>
-              </a:rPr>
-              <a:t>.</a:t>
-            </a:r>
-          </a:p>
-          <a:p>
-            <a:pPr marL="342900" indent="-342900">
-              <a:buFont typeface="Wingdings,Sans-Serif" panose="05000000000000000000" pitchFamily="2" charset="2"/>
-              <a:buChar char="§"/>
-            </a:pPr>
-            <a:r>
-              <a:rPr lang="de-DE" sz="2400" dirty="0">
-                <a:latin typeface="Arial"/>
-                <a:cs typeface="Arial"/>
-              </a:rPr>
-              <a:t>Anpassung der Echtzeit-Spracherkennung.</a:t>
-            </a:r>
-          </a:p>
-          <a:p>
-            <a:pPr marL="342900" indent="-342900">
-              <a:buFont typeface="Wingdings,Sans-Serif" panose="05000000000000000000" pitchFamily="2" charset="2"/>
-              <a:buChar char="§"/>
-            </a:pPr>
-            <a:r>
-              <a:rPr lang="de-DE" sz="2400" dirty="0">
-                <a:latin typeface="Arial"/>
-                <a:cs typeface="Arial"/>
-              </a:rPr>
-              <a:t>Weiter Bearbeitung des Transkriptionsalgorithmus.</a:t>
-            </a:r>
-            <a:endParaRPr lang="en-US" sz="2400" dirty="0">
-              <a:latin typeface="Arial"/>
-              <a:cs typeface="Arial"/>
-            </a:endParaRPr>
-          </a:p>
-          <a:p>
-            <a:pPr marL="342900" indent="-342900">
-              <a:buFont typeface="Wingdings,Sans-Serif" panose="05000000000000000000" pitchFamily="2" charset="2"/>
-              <a:buChar char="§"/>
-            </a:pPr>
-            <a:r>
-              <a:rPr lang="de-DE" sz="2400" dirty="0">
-                <a:latin typeface="Arial"/>
-                <a:cs typeface="Arial"/>
-              </a:rPr>
-              <a:t>Vergleich von Ansätzen und Dokumentation.</a:t>
-            </a:r>
-          </a:p>
-          <a:p>
-            <a:pPr marL="342900" indent="-342900">
-              <a:buFont typeface="Wingdings,Sans-Serif" panose="05000000000000000000" pitchFamily="2" charset="2"/>
-              <a:buChar char="§"/>
-            </a:pPr>
-            <a:r>
-              <a:rPr lang="de-DE" sz="2400" dirty="0">
-                <a:latin typeface="Arial"/>
-                <a:cs typeface="Arial"/>
-              </a:rPr>
-              <a:t>Vorstellung der Ergebnisse.</a:t>
-            </a:r>
-            <a:endParaRPr lang="en-US" sz="2400" dirty="0">
-              <a:latin typeface="Arial"/>
-              <a:cs typeface="Arial"/>
-            </a:endParaRPr>
-          </a:p>
-          <a:p>
-            <a:pPr marL="457200" indent="-457200">
-              <a:buFont typeface="Wingdings,Sans-Serif" panose="05000000000000000000" pitchFamily="2" charset="2"/>
-              <a:buChar char="§"/>
-            </a:pPr>
-            <a:endParaRPr lang="de-DE" sz="2800" dirty="0">
-              <a:latin typeface="Arial"/>
-              <a:cs typeface="Arial"/>
-            </a:endParaRPr>
-          </a:p>
-          <a:p>
-            <a:pPr marL="342900" indent="-342900">
-              <a:buFont typeface="Wingdings,Sans-Serif" panose="05000000000000000000" pitchFamily="2" charset="2"/>
-              <a:buChar char="§"/>
-            </a:pPr>
-            <a:endParaRPr lang="de-DE" sz="3600" dirty="0">
-              <a:latin typeface="Arial"/>
-              <a:cs typeface="Arial"/>
-            </a:endParaRPr>
-          </a:p>
-          <a:p>
-            <a:pPr marL="342900" indent="-342900">
-              <a:buFont typeface="Wingdings,Sans-Serif" panose="05000000000000000000" pitchFamily="2" charset="2"/>
-              <a:buChar char="§"/>
-            </a:pPr>
-            <a:endParaRPr lang="de-DE" sz="2800" dirty="0">
-              <a:latin typeface="Arial"/>
-              <a:cs typeface="Arial"/>
-            </a:endParaRPr>
-          </a:p>
-          <a:p>
-            <a:pPr marL="457200" indent="-457200">
-              <a:buFont typeface="Wingdings" panose="05000000000000000000" pitchFamily="2" charset="2"/>
-              <a:buChar char="§"/>
-            </a:pPr>
-            <a:endParaRPr lang="de-DE" sz="2800" b="1" dirty="0">
-              <a:cs typeface="Arial"/>
-            </a:endParaRPr>
-          </a:p>
-          <a:p>
-            <a:endParaRPr lang="de-DE" sz="2800" dirty="0">
-              <a:cs typeface="Arial"/>
-            </a:endParaRPr>
-          </a:p>
-        </p:txBody>
-      </p:sp>
-      <p:pic>
-        <p:nvPicPr>
-          <p:cNvPr id="13" name="Grafik 12" descr="Ein Bild, das Text, Schrift, Grafiken, Screenshot enthält.">
-            <a:extLst>
-              <a:ext uri="{FF2B5EF4-FFF2-40B4-BE49-F238E27FC236}">
-                <a16:creationId xmlns:a16="http://schemas.microsoft.com/office/drawing/2014/main" id="{5333A9AD-A782-28E0-CF2E-35C52F9795F3}"/>
-              </a:ext>
-            </a:extLst>
-          </p:cNvPr>
-          <p:cNvPicPr>
-            <a:picLocks noChangeAspect="1"/>
-          </p:cNvPicPr>
-          <p:nvPr/>
-        </p:nvPicPr>
-        <p:blipFill>
-          <a:blip r:embed="rId2"/>
-          <a:stretch>
-            <a:fillRect/>
-          </a:stretch>
-        </p:blipFill>
-        <p:spPr>
-          <a:xfrm>
-            <a:off x="8125355" y="47624"/>
-            <a:ext cx="3738563" cy="678658"/>
-          </a:xfrm>
-          <a:prstGeom prst="rect">
-            <a:avLst/>
-          </a:prstGeom>
-        </p:spPr>
-      </p:pic>
-    </p:spTree>
-    <p:extLst>
-      <p:ext uri="{BB962C8B-B14F-4D97-AF65-F5344CB8AC3E}">
-        <p14:creationId xmlns:p14="http://schemas.microsoft.com/office/powerpoint/2010/main" val="302205870"/>
-      </p:ext>
-    </p:extLst>
-  </p:cSld>
-  <p:clrMapOvr>
-    <a:masterClrMapping/>
-  </p:clrMapOvr>
-</p:sld>
-</file>
-
-<file path=ppt/slides/slide9.xml><?xml version="1.0" encoding="utf-8"?>
-<p:sld xmlns:a="http://schemas.openxmlformats.org/drawingml/2006/main" xmlns:r="http://schemas.openxmlformats.org/officeDocument/2006/relationships" xmlns:p="http://schemas.openxmlformats.org/presentationml/2006/main">
-  <p:cSld>
-    <p:spTree>
-      <p:nvGrpSpPr>
-        <p:cNvPr id="1" name=""/>
-        <p:cNvGrpSpPr/>
-        <p:nvPr/>
-      </p:nvGrpSpPr>
-      <p:grpSpPr>
-        <a:xfrm>
-          <a:off x="0" y="0"/>
-          <a:ext cx="0" cy="0"/>
-          <a:chOff x="0" y="0"/>
-          <a:chExt cx="0" cy="0"/>
-        </a:xfrm>
-      </p:grpSpPr>
-      <p:sp>
-        <p:nvSpPr>
-          <p:cNvPr id="2" name="Titel 1">
-            <a:extLst>
-              <a:ext uri="{FF2B5EF4-FFF2-40B4-BE49-F238E27FC236}">
-                <a16:creationId xmlns:a16="http://schemas.microsoft.com/office/drawing/2014/main" id="{5F927641-F6B1-1C11-381B-D4E3D37285D2}"/>
-              </a:ext>
-            </a:extLst>
-          </p:cNvPr>
-          <p:cNvSpPr>
-            <a:spLocks noGrp="1"/>
-          </p:cNvSpPr>
-          <p:nvPr>
-            <p:ph type="title"/>
-          </p:nvPr>
-        </p:nvSpPr>
         <p:spPr>
           <a:xfrm>
             <a:off x="609600" y="2786274"/>
@@ -6586,7 +4925,7 @@
           <a:p>
             <a:fld id="{1F646F3F-274D-499B-ABBE-824EB4ABDC3D}" type="slidenum">
               <a:rPr lang="en-US" smtClean="0"/>
-              <a:t>9</a:t>
+              <a:t>10</a:t>
             </a:fld>
             <a:endParaRPr lang="de-DE"/>
           </a:p>
@@ -6710,6 +5049,1861 @@
       <p:bldP spid="2" grpId="0"/>
     </p:bldLst>
   </p:timing>
+</p:sld>
+</file>
+
+<file path=ppt/slides/slide2.xml><?xml version="1.0" encoding="utf-8"?>
+<p:sld xmlns:a="http://schemas.openxmlformats.org/drawingml/2006/main" xmlns:r="http://schemas.openxmlformats.org/officeDocument/2006/relationships" xmlns:p="http://schemas.openxmlformats.org/presentationml/2006/main">
+  <p:cSld>
+    <p:spTree>
+      <p:nvGrpSpPr>
+        <p:cNvPr id="1" name=""/>
+        <p:cNvGrpSpPr/>
+        <p:nvPr/>
+      </p:nvGrpSpPr>
+      <p:grpSpPr>
+        <a:xfrm>
+          <a:off x="0" y="0"/>
+          <a:ext cx="0" cy="0"/>
+          <a:chOff x="0" y="0"/>
+          <a:chExt cx="0" cy="0"/>
+        </a:xfrm>
+      </p:grpSpPr>
+      <p:sp>
+        <p:nvSpPr>
+          <p:cNvPr id="2" name="Titel 1">
+            <a:extLst>
+              <a:ext uri="{FF2B5EF4-FFF2-40B4-BE49-F238E27FC236}">
+                <a16:creationId xmlns:a16="http://schemas.microsoft.com/office/drawing/2014/main" id="{5F927641-F6B1-1C11-381B-D4E3D37285D2}"/>
+              </a:ext>
+            </a:extLst>
+          </p:cNvPr>
+          <p:cNvSpPr>
+            <a:spLocks noGrp="1"/>
+          </p:cNvSpPr>
+          <p:nvPr>
+            <p:ph type="title"/>
+          </p:nvPr>
+        </p:nvSpPr>
+        <p:spPr/>
+        <p:txBody>
+          <a:bodyPr/>
+          <a:lstStyle/>
+          <a:p>
+            <a:r>
+              <a:rPr lang="de-DE" b="1" u="sng" dirty="0">
+                <a:latin typeface="Lucida Bright"/>
+                <a:cs typeface="Posterama"/>
+              </a:rPr>
+              <a:t>Agenda</a:t>
+            </a:r>
+          </a:p>
+        </p:txBody>
+      </p:sp>
+      <p:sp>
+        <p:nvSpPr>
+          <p:cNvPr id="6" name="Foliennummernplatzhalter 5">
+            <a:extLst>
+              <a:ext uri="{FF2B5EF4-FFF2-40B4-BE49-F238E27FC236}">
+                <a16:creationId xmlns:a16="http://schemas.microsoft.com/office/drawing/2014/main" id="{0A1D13E5-5CD6-4D9B-103E-82BE5D070BD1}"/>
+              </a:ext>
+            </a:extLst>
+          </p:cNvPr>
+          <p:cNvSpPr>
+            <a:spLocks noGrp="1"/>
+          </p:cNvSpPr>
+          <p:nvPr>
+            <p:ph type="sldNum" sz="quarter" idx="12"/>
+          </p:nvPr>
+        </p:nvSpPr>
+        <p:spPr/>
+        <p:txBody>
+          <a:bodyPr/>
+          <a:lstStyle/>
+          <a:p>
+            <a:fld id="{1F646F3F-274D-499B-ABBE-824EB4ABDC3D}" type="slidenum">
+              <a:rPr lang="en-US" smtClean="0"/>
+              <a:t>2</a:t>
+            </a:fld>
+            <a:endParaRPr lang="de-DE"/>
+          </a:p>
+        </p:txBody>
+      </p:sp>
+      <p:sp>
+        <p:nvSpPr>
+          <p:cNvPr id="11" name="Inhaltsplatzhalter 10">
+            <a:extLst>
+              <a:ext uri="{FF2B5EF4-FFF2-40B4-BE49-F238E27FC236}">
+                <a16:creationId xmlns:a16="http://schemas.microsoft.com/office/drawing/2014/main" id="{05F80AF8-CB3F-279A-8E5B-30156FCB4095}"/>
+              </a:ext>
+            </a:extLst>
+          </p:cNvPr>
+          <p:cNvSpPr>
+            <a:spLocks noGrp="1"/>
+          </p:cNvSpPr>
+          <p:nvPr>
+            <p:ph idx="1"/>
+          </p:nvPr>
+        </p:nvSpPr>
+        <p:spPr>
+          <a:xfrm>
+            <a:off x="609600" y="2106205"/>
+            <a:ext cx="10972800" cy="3823948"/>
+          </a:xfrm>
+        </p:spPr>
+        <p:txBody>
+          <a:bodyPr vert="horz" lIns="91440" tIns="45720" rIns="91440" bIns="45720" rtlCol="0" anchor="t">
+            <a:normAutofit fontScale="92500" lnSpcReduction="10000"/>
+          </a:bodyPr>
+          <a:lstStyle/>
+          <a:p>
+            <a:r>
+              <a:rPr lang="de-DE" sz="2800" dirty="0">
+                <a:ea typeface="+mn-lt"/>
+                <a:cs typeface="+mn-lt"/>
+              </a:rPr>
+              <a:t>Automatische Protokollierung </a:t>
+            </a:r>
+            <a:r>
+              <a:rPr lang="de-DE" sz="2800" dirty="0"/>
+              <a:t>von live als auch auf Aufnahmen zur Erkennung von:</a:t>
+            </a:r>
+            <a:endParaRPr lang="de-DE" dirty="0"/>
+          </a:p>
+          <a:p>
+            <a:pPr marL="685800" lvl="1" indent="-457200">
+              <a:buFont typeface="Wingdings" panose="05000000000000000000" pitchFamily="2" charset="2"/>
+              <a:buChar char="§"/>
+            </a:pPr>
+            <a:r>
+              <a:rPr lang="de-DE" sz="2600" b="1" dirty="0"/>
+              <a:t>Thema</a:t>
+            </a:r>
+          </a:p>
+          <a:p>
+            <a:pPr marL="685800" lvl="1" indent="-457200">
+              <a:buFont typeface="Wingdings" panose="05000000000000000000" pitchFamily="2" charset="2"/>
+              <a:buChar char="§"/>
+            </a:pPr>
+            <a:r>
+              <a:rPr lang="de-DE" sz="2600" b="1" dirty="0">
+                <a:latin typeface="Avenir Next LT Pro"/>
+                <a:cs typeface="Arial"/>
+              </a:rPr>
+              <a:t>Modellen</a:t>
+            </a:r>
+          </a:p>
+          <a:p>
+            <a:pPr marL="685800" lvl="1" indent="-457200">
+              <a:buFont typeface="Wingdings" panose="05000000000000000000" pitchFamily="2" charset="2"/>
+              <a:buChar char="§"/>
+            </a:pPr>
+            <a:r>
+              <a:rPr lang="de-DE" sz="2600" b="1" dirty="0">
+                <a:latin typeface="Avenir Next LT Pro"/>
+                <a:cs typeface="Arial"/>
+              </a:rPr>
+              <a:t>Planung</a:t>
+            </a:r>
+          </a:p>
+          <a:p>
+            <a:pPr marL="685800" lvl="1" indent="-457200">
+              <a:buFont typeface="Wingdings" panose="05000000000000000000" pitchFamily="2" charset="2"/>
+              <a:buChar char="§"/>
+            </a:pPr>
+            <a:r>
+              <a:rPr lang="de-DE" sz="2600" b="1">
+                <a:latin typeface="Avenir Next LT Pro"/>
+                <a:cs typeface="Arial"/>
+              </a:rPr>
+              <a:t>Libraries und Quellen</a:t>
+            </a:r>
+            <a:endParaRPr lang="de-DE" sz="2600" b="1" dirty="0">
+              <a:latin typeface="Avenir Next LT Pro"/>
+              <a:cs typeface="Arial"/>
+            </a:endParaRPr>
+          </a:p>
+          <a:p>
+            <a:pPr marL="457200" indent="-457200">
+              <a:buFont typeface="Wingdings,Sans-Serif" panose="05000000000000000000" pitchFamily="2" charset="2"/>
+              <a:buChar char="§"/>
+            </a:pPr>
+            <a:endParaRPr lang="de-DE" sz="2800" dirty="0">
+              <a:latin typeface="Arial"/>
+              <a:cs typeface="Arial"/>
+            </a:endParaRPr>
+          </a:p>
+          <a:p>
+            <a:r>
+              <a:rPr lang="de-DE" sz="2800" dirty="0"/>
+              <a:t> </a:t>
+            </a:r>
+          </a:p>
+        </p:txBody>
+      </p:sp>
+      <p:pic>
+        <p:nvPicPr>
+          <p:cNvPr id="13" name="Grafik 12" descr="Ein Bild, das Text, Schrift, Grafiken, Screenshot enthält.">
+            <a:extLst>
+              <a:ext uri="{FF2B5EF4-FFF2-40B4-BE49-F238E27FC236}">
+                <a16:creationId xmlns:a16="http://schemas.microsoft.com/office/drawing/2014/main" id="{5333A9AD-A782-28E0-CF2E-35C52F9795F3}"/>
+              </a:ext>
+            </a:extLst>
+          </p:cNvPr>
+          <p:cNvPicPr>
+            <a:picLocks noChangeAspect="1"/>
+          </p:cNvPicPr>
+          <p:nvPr/>
+        </p:nvPicPr>
+        <p:blipFill>
+          <a:blip r:embed="rId2"/>
+          <a:stretch>
+            <a:fillRect/>
+          </a:stretch>
+        </p:blipFill>
+        <p:spPr>
+          <a:xfrm>
+            <a:off x="8114772" y="47624"/>
+            <a:ext cx="3738563" cy="678658"/>
+          </a:xfrm>
+          <a:prstGeom prst="rect">
+            <a:avLst/>
+          </a:prstGeom>
+        </p:spPr>
+      </p:pic>
+    </p:spTree>
+    <p:extLst>
+      <p:ext uri="{BB962C8B-B14F-4D97-AF65-F5344CB8AC3E}">
+        <p14:creationId xmlns:p14="http://schemas.microsoft.com/office/powerpoint/2010/main" val="1514715835"/>
+      </p:ext>
+    </p:extLst>
+  </p:cSld>
+  <p:clrMapOvr>
+    <a:masterClrMapping/>
+  </p:clrMapOvr>
+</p:sld>
+</file>
+
+<file path=ppt/slides/slide3.xml><?xml version="1.0" encoding="utf-8"?>
+<p:sld xmlns:a="http://schemas.openxmlformats.org/drawingml/2006/main" xmlns:r="http://schemas.openxmlformats.org/officeDocument/2006/relationships" xmlns:p="http://schemas.openxmlformats.org/presentationml/2006/main">
+  <p:cSld>
+    <p:spTree>
+      <p:nvGrpSpPr>
+        <p:cNvPr id="1" name=""/>
+        <p:cNvGrpSpPr/>
+        <p:nvPr/>
+      </p:nvGrpSpPr>
+      <p:grpSpPr>
+        <a:xfrm>
+          <a:off x="0" y="0"/>
+          <a:ext cx="0" cy="0"/>
+          <a:chOff x="0" y="0"/>
+          <a:chExt cx="0" cy="0"/>
+        </a:xfrm>
+      </p:grpSpPr>
+      <p:sp>
+        <p:nvSpPr>
+          <p:cNvPr id="2" name="Titel 1">
+            <a:extLst>
+              <a:ext uri="{FF2B5EF4-FFF2-40B4-BE49-F238E27FC236}">
+                <a16:creationId xmlns:a16="http://schemas.microsoft.com/office/drawing/2014/main" id="{5F927641-F6B1-1C11-381B-D4E3D37285D2}"/>
+              </a:ext>
+            </a:extLst>
+          </p:cNvPr>
+          <p:cNvSpPr>
+            <a:spLocks noGrp="1"/>
+          </p:cNvSpPr>
+          <p:nvPr>
+            <p:ph type="title"/>
+          </p:nvPr>
+        </p:nvSpPr>
+        <p:spPr/>
+        <p:txBody>
+          <a:bodyPr/>
+          <a:lstStyle/>
+          <a:p>
+            <a:r>
+              <a:rPr lang="de-DE" b="1" u="sng">
+                <a:latin typeface="Lucida Bright"/>
+                <a:cs typeface="Posterama"/>
+              </a:rPr>
+              <a:t>Thema</a:t>
+            </a:r>
+            <a:endParaRPr lang="de-DE" b="1" u="sng" dirty="0">
+              <a:latin typeface="Lucida Bright"/>
+              <a:cs typeface="Posterama"/>
+            </a:endParaRPr>
+          </a:p>
+        </p:txBody>
+      </p:sp>
+      <p:sp>
+        <p:nvSpPr>
+          <p:cNvPr id="6" name="Foliennummernplatzhalter 5">
+            <a:extLst>
+              <a:ext uri="{FF2B5EF4-FFF2-40B4-BE49-F238E27FC236}">
+                <a16:creationId xmlns:a16="http://schemas.microsoft.com/office/drawing/2014/main" id="{0A1D13E5-5CD6-4D9B-103E-82BE5D070BD1}"/>
+              </a:ext>
+            </a:extLst>
+          </p:cNvPr>
+          <p:cNvSpPr>
+            <a:spLocks noGrp="1"/>
+          </p:cNvSpPr>
+          <p:nvPr>
+            <p:ph type="sldNum" sz="quarter" idx="12"/>
+          </p:nvPr>
+        </p:nvSpPr>
+        <p:spPr/>
+        <p:txBody>
+          <a:bodyPr/>
+          <a:lstStyle/>
+          <a:p>
+            <a:fld id="{1F646F3F-274D-499B-ABBE-824EB4ABDC3D}" type="slidenum">
+              <a:rPr lang="en-US" smtClean="0"/>
+              <a:t>3</a:t>
+            </a:fld>
+            <a:endParaRPr lang="de-DE"/>
+          </a:p>
+        </p:txBody>
+      </p:sp>
+      <p:sp>
+        <p:nvSpPr>
+          <p:cNvPr id="11" name="Inhaltsplatzhalter 10">
+            <a:extLst>
+              <a:ext uri="{FF2B5EF4-FFF2-40B4-BE49-F238E27FC236}">
+                <a16:creationId xmlns:a16="http://schemas.microsoft.com/office/drawing/2014/main" id="{05F80AF8-CB3F-279A-8E5B-30156FCB4095}"/>
+              </a:ext>
+            </a:extLst>
+          </p:cNvPr>
+          <p:cNvSpPr>
+            <a:spLocks noGrp="1"/>
+          </p:cNvSpPr>
+          <p:nvPr>
+            <p:ph idx="1"/>
+          </p:nvPr>
+        </p:nvSpPr>
+        <p:spPr>
+          <a:xfrm>
+            <a:off x="609600" y="2106205"/>
+            <a:ext cx="10972800" cy="3823948"/>
+          </a:xfrm>
+        </p:spPr>
+        <p:txBody>
+          <a:bodyPr vert="horz" lIns="91440" tIns="45720" rIns="91440" bIns="45720" rtlCol="0" anchor="t">
+            <a:normAutofit fontScale="92500" lnSpcReduction="20000"/>
+          </a:bodyPr>
+          <a:lstStyle/>
+          <a:p>
+            <a:r>
+              <a:rPr lang="de-DE" sz="2800" dirty="0">
+                <a:ea typeface="+mn-lt"/>
+                <a:cs typeface="+mn-lt"/>
+              </a:rPr>
+              <a:t>Automatische Protokollierung </a:t>
+            </a:r>
+            <a:r>
+              <a:rPr lang="de-DE" sz="2800" dirty="0"/>
+              <a:t>von live als auch auf Aufnahmen zur Erkennung von:</a:t>
+            </a:r>
+            <a:endParaRPr lang="de-DE" dirty="0"/>
+          </a:p>
+          <a:p>
+            <a:pPr marL="457200" indent="-457200">
+              <a:buFont typeface="Wingdings" panose="05000000000000000000" pitchFamily="2" charset="2"/>
+              <a:buChar char="§"/>
+            </a:pPr>
+            <a:r>
+              <a:rPr lang="de-DE" sz="2800" b="1" dirty="0"/>
+              <a:t>Sprecher</a:t>
+            </a:r>
+            <a:r>
+              <a:rPr lang="de-DE" sz="2800" dirty="0"/>
+              <a:t> (Stimmerkennung)</a:t>
+            </a:r>
+          </a:p>
+          <a:p>
+            <a:pPr marL="457200" indent="-457200">
+              <a:buFont typeface="Wingdings" panose="05000000000000000000" pitchFamily="2" charset="2"/>
+              <a:buChar char="§"/>
+            </a:pPr>
+            <a:r>
+              <a:rPr lang="de-DE" sz="2800" b="1" dirty="0"/>
+              <a:t>Inhalt</a:t>
+            </a:r>
+            <a:r>
+              <a:rPr lang="de-DE" sz="2800" dirty="0"/>
+              <a:t> (Audio </a:t>
+            </a:r>
+            <a:r>
+              <a:rPr lang="de-DE" sz="2800" dirty="0">
+                <a:sym typeface="Wingdings" panose="05000000000000000000" pitchFamily="2" charset="2"/>
+              </a:rPr>
+              <a:t></a:t>
+            </a:r>
+            <a:r>
+              <a:rPr lang="de-DE" sz="2800" dirty="0"/>
+              <a:t> Text)</a:t>
+            </a:r>
+          </a:p>
+          <a:p>
+            <a:endParaRPr lang="de-DE" sz="2800" dirty="0">
+              <a:latin typeface="Avenir Next LT Pro"/>
+              <a:cs typeface="Arial"/>
+            </a:endParaRPr>
+          </a:p>
+          <a:p>
+            <a:r>
+              <a:rPr lang="de-DE" sz="2800" b="1" dirty="0">
+                <a:latin typeface="Avenir Next LT Pro"/>
+                <a:cs typeface="Arial"/>
+              </a:rPr>
+              <a:t>Nutzen</a:t>
+            </a:r>
+            <a:r>
+              <a:rPr lang="de-DE" sz="2800" dirty="0">
+                <a:latin typeface="Avenir Next LT Pro"/>
+                <a:cs typeface="Arial"/>
+              </a:rPr>
+              <a:t>: </a:t>
+            </a:r>
+            <a:r>
+              <a:rPr lang="de-DE" sz="2800" dirty="0" err="1">
+                <a:latin typeface="Avenir Next LT Pro"/>
+                <a:cs typeface="Arial"/>
+              </a:rPr>
+              <a:t>Meetingsprotokoll</a:t>
+            </a:r>
+            <a:r>
+              <a:rPr lang="de-DE" sz="2800" dirty="0">
+                <a:latin typeface="Avenir Next LT Pro"/>
+                <a:cs typeface="Arial"/>
+              </a:rPr>
+              <a:t>, Untertitel Hörgeräte, Diktiergerät</a:t>
+            </a:r>
+          </a:p>
+          <a:p>
+            <a:pPr marL="457200" indent="-457200">
+              <a:buFont typeface="Wingdings,Sans-Serif" panose="05000000000000000000" pitchFamily="2" charset="2"/>
+              <a:buChar char="§"/>
+            </a:pPr>
+            <a:endParaRPr lang="de-DE" sz="2800" dirty="0">
+              <a:latin typeface="Arial"/>
+              <a:cs typeface="Arial"/>
+            </a:endParaRPr>
+          </a:p>
+          <a:p>
+            <a:r>
+              <a:rPr lang="de-DE" sz="2800" dirty="0"/>
+              <a:t> </a:t>
+            </a:r>
+          </a:p>
+        </p:txBody>
+      </p:sp>
+      <p:pic>
+        <p:nvPicPr>
+          <p:cNvPr id="13" name="Grafik 12" descr="Ein Bild, das Text, Schrift, Grafiken, Screenshot enthält.">
+            <a:extLst>
+              <a:ext uri="{FF2B5EF4-FFF2-40B4-BE49-F238E27FC236}">
+                <a16:creationId xmlns:a16="http://schemas.microsoft.com/office/drawing/2014/main" id="{5333A9AD-A782-28E0-CF2E-35C52F9795F3}"/>
+              </a:ext>
+            </a:extLst>
+          </p:cNvPr>
+          <p:cNvPicPr>
+            <a:picLocks noChangeAspect="1"/>
+          </p:cNvPicPr>
+          <p:nvPr/>
+        </p:nvPicPr>
+        <p:blipFill>
+          <a:blip r:embed="rId2"/>
+          <a:stretch>
+            <a:fillRect/>
+          </a:stretch>
+        </p:blipFill>
+        <p:spPr>
+          <a:xfrm>
+            <a:off x="8114772" y="47624"/>
+            <a:ext cx="3738563" cy="678658"/>
+          </a:xfrm>
+          <a:prstGeom prst="rect">
+            <a:avLst/>
+          </a:prstGeom>
+        </p:spPr>
+      </p:pic>
+    </p:spTree>
+    <p:extLst>
+      <p:ext uri="{BB962C8B-B14F-4D97-AF65-F5344CB8AC3E}">
+        <p14:creationId xmlns:p14="http://schemas.microsoft.com/office/powerpoint/2010/main" val="3863843368"/>
+      </p:ext>
+    </p:extLst>
+  </p:cSld>
+  <p:clrMapOvr>
+    <a:masterClrMapping/>
+  </p:clrMapOvr>
+</p:sld>
+</file>
+
+<file path=ppt/slides/slide4.xml><?xml version="1.0" encoding="utf-8"?>
+<p:sld xmlns:a="http://schemas.openxmlformats.org/drawingml/2006/main" xmlns:r="http://schemas.openxmlformats.org/officeDocument/2006/relationships" xmlns:p="http://schemas.openxmlformats.org/presentationml/2006/main">
+  <p:cSld>
+    <p:spTree>
+      <p:nvGrpSpPr>
+        <p:cNvPr id="1" name=""/>
+        <p:cNvGrpSpPr/>
+        <p:nvPr/>
+      </p:nvGrpSpPr>
+      <p:grpSpPr>
+        <a:xfrm>
+          <a:off x="0" y="0"/>
+          <a:ext cx="0" cy="0"/>
+          <a:chOff x="0" y="0"/>
+          <a:chExt cx="0" cy="0"/>
+        </a:xfrm>
+      </p:grpSpPr>
+      <p:sp>
+        <p:nvSpPr>
+          <p:cNvPr id="2" name="Titel 1">
+            <a:extLst>
+              <a:ext uri="{FF2B5EF4-FFF2-40B4-BE49-F238E27FC236}">
+                <a16:creationId xmlns:a16="http://schemas.microsoft.com/office/drawing/2014/main" id="{5F927641-F6B1-1C11-381B-D4E3D37285D2}"/>
+              </a:ext>
+            </a:extLst>
+          </p:cNvPr>
+          <p:cNvSpPr>
+            <a:spLocks noGrp="1"/>
+          </p:cNvSpPr>
+          <p:nvPr>
+            <p:ph type="title"/>
+          </p:nvPr>
+        </p:nvSpPr>
+        <p:spPr/>
+        <p:txBody>
+          <a:bodyPr/>
+          <a:lstStyle/>
+          <a:p>
+            <a:r>
+              <a:rPr lang="de-DE" b="1" u="sng">
+                <a:latin typeface="Lucida Bright"/>
+                <a:cs typeface="Posterama"/>
+              </a:rPr>
+              <a:t>Modellen</a:t>
+            </a:r>
+            <a:endParaRPr lang="de-DE" b="1" u="sng" dirty="0">
+              <a:latin typeface="Lucida Bright"/>
+              <a:cs typeface="Posterama"/>
+            </a:endParaRPr>
+          </a:p>
+        </p:txBody>
+      </p:sp>
+      <p:sp>
+        <p:nvSpPr>
+          <p:cNvPr id="6" name="Foliennummernplatzhalter 5">
+            <a:extLst>
+              <a:ext uri="{FF2B5EF4-FFF2-40B4-BE49-F238E27FC236}">
+                <a16:creationId xmlns:a16="http://schemas.microsoft.com/office/drawing/2014/main" id="{0A1D13E5-5CD6-4D9B-103E-82BE5D070BD1}"/>
+              </a:ext>
+            </a:extLst>
+          </p:cNvPr>
+          <p:cNvSpPr>
+            <a:spLocks noGrp="1"/>
+          </p:cNvSpPr>
+          <p:nvPr>
+            <p:ph type="sldNum" sz="quarter" idx="12"/>
+          </p:nvPr>
+        </p:nvSpPr>
+        <p:spPr/>
+        <p:txBody>
+          <a:bodyPr/>
+          <a:lstStyle/>
+          <a:p>
+            <a:fld id="{1F646F3F-274D-499B-ABBE-824EB4ABDC3D}" type="slidenum">
+              <a:rPr lang="en-US" smtClean="0"/>
+              <a:t>4</a:t>
+            </a:fld>
+            <a:endParaRPr lang="de-DE"/>
+          </a:p>
+        </p:txBody>
+      </p:sp>
+      <p:sp>
+        <p:nvSpPr>
+          <p:cNvPr id="11" name="Inhaltsplatzhalter 10">
+            <a:extLst>
+              <a:ext uri="{FF2B5EF4-FFF2-40B4-BE49-F238E27FC236}">
+                <a16:creationId xmlns:a16="http://schemas.microsoft.com/office/drawing/2014/main" id="{05F80AF8-CB3F-279A-8E5B-30156FCB4095}"/>
+              </a:ext>
+            </a:extLst>
+          </p:cNvPr>
+          <p:cNvSpPr>
+            <a:spLocks noGrp="1"/>
+          </p:cNvSpPr>
+          <p:nvPr>
+            <p:ph idx="1"/>
+          </p:nvPr>
+        </p:nvSpPr>
+        <p:spPr>
+          <a:xfrm>
+            <a:off x="609600" y="2106205"/>
+            <a:ext cx="10972800" cy="1332003"/>
+          </a:xfrm>
+        </p:spPr>
+        <p:txBody>
+          <a:bodyPr vert="horz" lIns="91440" tIns="45720" rIns="91440" bIns="45720" rtlCol="0" anchor="t">
+            <a:normAutofit/>
+          </a:bodyPr>
+          <a:lstStyle/>
+          <a:p>
+            <a:pPr marL="457200" indent="-457200">
+              <a:buFont typeface="Wingdings" panose="05000000000000000000" pitchFamily="2" charset="2"/>
+              <a:buChar char="§"/>
+            </a:pPr>
+            <a:r>
+              <a:rPr lang="de-DE" sz="2800" b="1" dirty="0"/>
+              <a:t>CNN</a:t>
+            </a:r>
+            <a:r>
+              <a:rPr lang="de-DE" sz="2800" dirty="0"/>
+              <a:t> (Neuronal Netze bei Felix)</a:t>
+            </a:r>
+          </a:p>
+          <a:p>
+            <a:pPr marL="457200" indent="-457200">
+              <a:buFont typeface="Wingdings" panose="05000000000000000000" pitchFamily="2" charset="2"/>
+              <a:buChar char="§"/>
+            </a:pPr>
+            <a:r>
+              <a:rPr lang="de-DE" sz="2800" b="1" dirty="0"/>
+              <a:t>SVM </a:t>
+            </a:r>
+            <a:r>
+              <a:rPr lang="de-DE" sz="2800" dirty="0"/>
+              <a:t>(</a:t>
+            </a:r>
+            <a:r>
+              <a:rPr lang="de-DE" sz="2800" dirty="0" err="1"/>
+              <a:t>Vecktor</a:t>
+            </a:r>
+            <a:r>
+              <a:rPr lang="de-DE" sz="2800" dirty="0"/>
+              <a:t> </a:t>
+            </a:r>
+            <a:r>
+              <a:rPr lang="de-DE" sz="2800" dirty="0" err="1"/>
+              <a:t>Machine</a:t>
+            </a:r>
+            <a:r>
+              <a:rPr lang="de-DE" sz="2800" dirty="0"/>
+              <a:t> bei </a:t>
+            </a:r>
+            <a:r>
+              <a:rPr lang="de-DE" sz="2800" dirty="0" err="1"/>
+              <a:t>Linelle</a:t>
+            </a:r>
+            <a:r>
+              <a:rPr lang="de-DE" sz="2800" dirty="0"/>
+              <a:t>)</a:t>
+            </a:r>
+          </a:p>
+          <a:p>
+            <a:endParaRPr lang="de-DE" sz="2800" dirty="0"/>
+          </a:p>
+        </p:txBody>
+      </p:sp>
+      <p:pic>
+        <p:nvPicPr>
+          <p:cNvPr id="13" name="Grafik 12" descr="Ein Bild, das Text, Schrift, Grafiken, Screenshot enthält.">
+            <a:extLst>
+              <a:ext uri="{FF2B5EF4-FFF2-40B4-BE49-F238E27FC236}">
+                <a16:creationId xmlns:a16="http://schemas.microsoft.com/office/drawing/2014/main" id="{5333A9AD-A782-28E0-CF2E-35C52F9795F3}"/>
+              </a:ext>
+            </a:extLst>
+          </p:cNvPr>
+          <p:cNvPicPr>
+            <a:picLocks noChangeAspect="1"/>
+          </p:cNvPicPr>
+          <p:nvPr/>
+        </p:nvPicPr>
+        <p:blipFill>
+          <a:blip r:embed="rId2"/>
+          <a:stretch>
+            <a:fillRect/>
+          </a:stretch>
+        </p:blipFill>
+        <p:spPr>
+          <a:xfrm>
+            <a:off x="8125355" y="47624"/>
+            <a:ext cx="3738563" cy="678658"/>
+          </a:xfrm>
+          <a:prstGeom prst="rect">
+            <a:avLst/>
+          </a:prstGeom>
+        </p:spPr>
+      </p:pic>
+    </p:spTree>
+    <p:extLst>
+      <p:ext uri="{BB962C8B-B14F-4D97-AF65-F5344CB8AC3E}">
+        <p14:creationId xmlns:p14="http://schemas.microsoft.com/office/powerpoint/2010/main" val="1390798680"/>
+      </p:ext>
+    </p:extLst>
+  </p:cSld>
+  <p:clrMapOvr>
+    <a:masterClrMapping/>
+  </p:clrMapOvr>
+</p:sld>
+</file>
+
+<file path=ppt/slides/slide5.xml><?xml version="1.0" encoding="utf-8"?>
+<p:sld xmlns:a="http://schemas.openxmlformats.org/drawingml/2006/main" xmlns:r="http://schemas.openxmlformats.org/officeDocument/2006/relationships" xmlns:p="http://schemas.openxmlformats.org/presentationml/2006/main">
+  <p:cSld>
+    <p:spTree>
+      <p:nvGrpSpPr>
+        <p:cNvPr id="1" name=""/>
+        <p:cNvGrpSpPr/>
+        <p:nvPr/>
+      </p:nvGrpSpPr>
+      <p:grpSpPr>
+        <a:xfrm>
+          <a:off x="0" y="0"/>
+          <a:ext cx="0" cy="0"/>
+          <a:chOff x="0" y="0"/>
+          <a:chExt cx="0" cy="0"/>
+        </a:xfrm>
+      </p:grpSpPr>
+      <p:sp>
+        <p:nvSpPr>
+          <p:cNvPr id="2" name="Titel 1">
+            <a:extLst>
+              <a:ext uri="{FF2B5EF4-FFF2-40B4-BE49-F238E27FC236}">
+                <a16:creationId xmlns:a16="http://schemas.microsoft.com/office/drawing/2014/main" id="{5F927641-F6B1-1C11-381B-D4E3D37285D2}"/>
+              </a:ext>
+            </a:extLst>
+          </p:cNvPr>
+          <p:cNvSpPr>
+            <a:spLocks noGrp="1"/>
+          </p:cNvSpPr>
+          <p:nvPr>
+            <p:ph type="title"/>
+          </p:nvPr>
+        </p:nvSpPr>
+        <p:spPr/>
+        <p:txBody>
+          <a:bodyPr/>
+          <a:lstStyle/>
+          <a:p>
+            <a:r>
+              <a:rPr lang="de-DE" b="1" u="sng" dirty="0">
+                <a:latin typeface="Lucida Bright"/>
+                <a:cs typeface="Posterama"/>
+              </a:rPr>
+              <a:t>Stand SVM</a:t>
+            </a:r>
+          </a:p>
+        </p:txBody>
+      </p:sp>
+      <p:sp>
+        <p:nvSpPr>
+          <p:cNvPr id="6" name="Foliennummernplatzhalter 5">
+            <a:extLst>
+              <a:ext uri="{FF2B5EF4-FFF2-40B4-BE49-F238E27FC236}">
+                <a16:creationId xmlns:a16="http://schemas.microsoft.com/office/drawing/2014/main" id="{0A1D13E5-5CD6-4D9B-103E-82BE5D070BD1}"/>
+              </a:ext>
+            </a:extLst>
+          </p:cNvPr>
+          <p:cNvSpPr>
+            <a:spLocks noGrp="1"/>
+          </p:cNvSpPr>
+          <p:nvPr>
+            <p:ph type="sldNum" sz="quarter" idx="12"/>
+          </p:nvPr>
+        </p:nvSpPr>
+        <p:spPr/>
+        <p:txBody>
+          <a:bodyPr/>
+          <a:lstStyle/>
+          <a:p>
+            <a:fld id="{1F646F3F-274D-499B-ABBE-824EB4ABDC3D}" type="slidenum">
+              <a:rPr lang="en-US" smtClean="0"/>
+              <a:t>5</a:t>
+            </a:fld>
+            <a:endParaRPr lang="de-DE"/>
+          </a:p>
+        </p:txBody>
+      </p:sp>
+      <p:pic>
+        <p:nvPicPr>
+          <p:cNvPr id="13" name="Grafik 12" descr="Ein Bild, das Text, Schrift, Grafiken, Screenshot enthält.">
+            <a:extLst>
+              <a:ext uri="{FF2B5EF4-FFF2-40B4-BE49-F238E27FC236}">
+                <a16:creationId xmlns:a16="http://schemas.microsoft.com/office/drawing/2014/main" id="{5333A9AD-A782-28E0-CF2E-35C52F9795F3}"/>
+              </a:ext>
+            </a:extLst>
+          </p:cNvPr>
+          <p:cNvPicPr>
+            <a:picLocks noChangeAspect="1"/>
+          </p:cNvPicPr>
+          <p:nvPr/>
+        </p:nvPicPr>
+        <p:blipFill>
+          <a:blip r:embed="rId2"/>
+          <a:stretch>
+            <a:fillRect/>
+          </a:stretch>
+        </p:blipFill>
+        <p:spPr>
+          <a:xfrm>
+            <a:off x="8125355" y="47624"/>
+            <a:ext cx="3738563" cy="678658"/>
+          </a:xfrm>
+          <a:prstGeom prst="rect">
+            <a:avLst/>
+          </a:prstGeom>
+        </p:spPr>
+      </p:pic>
+      <p:pic>
+        <p:nvPicPr>
+          <p:cNvPr id="3" name="Grafik 2" descr="Ein Bild, das Text, Screenshot, Diagramm, Rechteck enthält.&#10;&#10;Beschreibung automatisch generiert.">
+            <a:extLst>
+              <a:ext uri="{FF2B5EF4-FFF2-40B4-BE49-F238E27FC236}">
+                <a16:creationId xmlns:a16="http://schemas.microsoft.com/office/drawing/2014/main" id="{61228266-A1A0-4734-54AE-3A5BE2CBCFF6}"/>
+              </a:ext>
+            </a:extLst>
+          </p:cNvPr>
+          <p:cNvPicPr>
+            <a:picLocks noChangeAspect="1"/>
+          </p:cNvPicPr>
+          <p:nvPr/>
+        </p:nvPicPr>
+        <p:blipFill>
+          <a:blip r:embed="rId3"/>
+          <a:srcRect l="2105" t="7591" r="9895" b="-990"/>
+          <a:stretch/>
+        </p:blipFill>
+        <p:spPr>
+          <a:xfrm>
+            <a:off x="461242" y="2519796"/>
+            <a:ext cx="4816865" cy="3272762"/>
+          </a:xfrm>
+          <a:prstGeom prst="rect">
+            <a:avLst/>
+          </a:prstGeom>
+        </p:spPr>
+      </p:pic>
+      <p:pic>
+        <p:nvPicPr>
+          <p:cNvPr id="4" name="Grafik 3" descr="Ein Bild, das Text, Screenshot, Schrift enthält.&#10;&#10;Beschreibung automatisch generiert.">
+            <a:extLst>
+              <a:ext uri="{FF2B5EF4-FFF2-40B4-BE49-F238E27FC236}">
+                <a16:creationId xmlns:a16="http://schemas.microsoft.com/office/drawing/2014/main" id="{2ABD9218-3D50-D822-23AC-A985DEECEED5}"/>
+              </a:ext>
+            </a:extLst>
+          </p:cNvPr>
+          <p:cNvPicPr>
+            <a:picLocks noChangeAspect="1"/>
+          </p:cNvPicPr>
+          <p:nvPr/>
+        </p:nvPicPr>
+        <p:blipFill>
+          <a:blip r:embed="rId4"/>
+          <a:srcRect l="-52" r="123" b="12000"/>
+          <a:stretch/>
+        </p:blipFill>
+        <p:spPr>
+          <a:xfrm>
+            <a:off x="6098836" y="903542"/>
+            <a:ext cx="5961907" cy="3621024"/>
+          </a:xfrm>
+          <a:prstGeom prst="rect">
+            <a:avLst/>
+          </a:prstGeom>
+        </p:spPr>
+      </p:pic>
+      <p:pic>
+        <p:nvPicPr>
+          <p:cNvPr id="5" name="Grafik 4" descr="Ein Bild, das Text, Screenshot, Schrift enthält.&#10;&#10;Beschreibung automatisch generiert.">
+            <a:extLst>
+              <a:ext uri="{FF2B5EF4-FFF2-40B4-BE49-F238E27FC236}">
+                <a16:creationId xmlns:a16="http://schemas.microsoft.com/office/drawing/2014/main" id="{869B3BF8-09E7-FA27-8FCE-387DACEACDF7}"/>
+              </a:ext>
+            </a:extLst>
+          </p:cNvPr>
+          <p:cNvPicPr>
+            <a:picLocks noChangeAspect="1"/>
+          </p:cNvPicPr>
+          <p:nvPr/>
+        </p:nvPicPr>
+        <p:blipFill>
+          <a:blip r:embed="rId5"/>
+          <a:srcRect l="-21" t="21011" r="2183" b="-81"/>
+          <a:stretch/>
+        </p:blipFill>
+        <p:spPr>
+          <a:xfrm>
+            <a:off x="6097539" y="4514927"/>
+            <a:ext cx="5964235" cy="1747562"/>
+          </a:xfrm>
+          <a:prstGeom prst="rect">
+            <a:avLst/>
+          </a:prstGeom>
+        </p:spPr>
+      </p:pic>
+    </p:spTree>
+    <p:extLst>
+      <p:ext uri="{BB962C8B-B14F-4D97-AF65-F5344CB8AC3E}">
+        <p14:creationId xmlns:p14="http://schemas.microsoft.com/office/powerpoint/2010/main" val="4019152564"/>
+      </p:ext>
+    </p:extLst>
+  </p:cSld>
+  <p:clrMapOvr>
+    <a:masterClrMapping/>
+  </p:clrMapOvr>
+</p:sld>
+</file>
+
+<file path=ppt/slides/slide6.xml><?xml version="1.0" encoding="utf-8"?>
+<p:sld xmlns:a="http://schemas.openxmlformats.org/drawingml/2006/main" xmlns:r="http://schemas.openxmlformats.org/officeDocument/2006/relationships" xmlns:p="http://schemas.openxmlformats.org/presentationml/2006/main">
+  <p:cSld>
+    <p:spTree>
+      <p:nvGrpSpPr>
+        <p:cNvPr id="1" name="">
+          <a:extLst>
+            <a:ext uri="{FF2B5EF4-FFF2-40B4-BE49-F238E27FC236}">
+              <a16:creationId xmlns:a16="http://schemas.microsoft.com/office/drawing/2014/main" id="{11A75C80-285E-6E8A-2170-BD1D8F1E61E9}"/>
+            </a:ext>
+          </a:extLst>
+        </p:cNvPr>
+        <p:cNvGrpSpPr/>
+        <p:nvPr/>
+      </p:nvGrpSpPr>
+      <p:grpSpPr>
+        <a:xfrm>
+          <a:off x="0" y="0"/>
+          <a:ext cx="0" cy="0"/>
+          <a:chOff x="0" y="0"/>
+          <a:chExt cx="0" cy="0"/>
+        </a:xfrm>
+      </p:grpSpPr>
+      <p:sp>
+        <p:nvSpPr>
+          <p:cNvPr id="2" name="Titel 1">
+            <a:extLst>
+              <a:ext uri="{FF2B5EF4-FFF2-40B4-BE49-F238E27FC236}">
+                <a16:creationId xmlns:a16="http://schemas.microsoft.com/office/drawing/2014/main" id="{7935F30F-D740-A2FF-8F3C-F2F875EC988E}"/>
+              </a:ext>
+            </a:extLst>
+          </p:cNvPr>
+          <p:cNvSpPr>
+            <a:spLocks noGrp="1"/>
+          </p:cNvSpPr>
+          <p:nvPr>
+            <p:ph type="title"/>
+          </p:nvPr>
+        </p:nvSpPr>
+        <p:spPr/>
+        <p:txBody>
+          <a:bodyPr/>
+          <a:lstStyle/>
+          <a:p>
+            <a:r>
+              <a:rPr lang="de-DE" b="1" u="sng" dirty="0">
+                <a:latin typeface="Lucida Bright"/>
+                <a:cs typeface="Posterama"/>
+              </a:rPr>
+              <a:t>Aufbau CNN</a:t>
+            </a:r>
+          </a:p>
+        </p:txBody>
+      </p:sp>
+      <p:sp>
+        <p:nvSpPr>
+          <p:cNvPr id="6" name="Foliennummernplatzhalter 5">
+            <a:extLst>
+              <a:ext uri="{FF2B5EF4-FFF2-40B4-BE49-F238E27FC236}">
+                <a16:creationId xmlns:a16="http://schemas.microsoft.com/office/drawing/2014/main" id="{313BD3B3-DDF8-1137-5798-B8086E538E8E}"/>
+              </a:ext>
+            </a:extLst>
+          </p:cNvPr>
+          <p:cNvSpPr>
+            <a:spLocks noGrp="1"/>
+          </p:cNvSpPr>
+          <p:nvPr>
+            <p:ph type="sldNum" sz="quarter" idx="12"/>
+          </p:nvPr>
+        </p:nvSpPr>
+        <p:spPr/>
+        <p:txBody>
+          <a:bodyPr/>
+          <a:lstStyle/>
+          <a:p>
+            <a:fld id="{1F646F3F-274D-499B-ABBE-824EB4ABDC3D}" type="slidenum">
+              <a:rPr lang="en-US" smtClean="0"/>
+              <a:t>6</a:t>
+            </a:fld>
+            <a:endParaRPr lang="de-DE"/>
+          </a:p>
+        </p:txBody>
+      </p:sp>
+      <p:pic>
+        <p:nvPicPr>
+          <p:cNvPr id="13" name="Grafik 12" descr="Ein Bild, das Text, Schrift, Grafiken, Screenshot enthält.">
+            <a:extLst>
+              <a:ext uri="{FF2B5EF4-FFF2-40B4-BE49-F238E27FC236}">
+                <a16:creationId xmlns:a16="http://schemas.microsoft.com/office/drawing/2014/main" id="{CED970B2-FE34-0817-4747-8C1F34D40774}"/>
+              </a:ext>
+            </a:extLst>
+          </p:cNvPr>
+          <p:cNvPicPr>
+            <a:picLocks noChangeAspect="1"/>
+          </p:cNvPicPr>
+          <p:nvPr/>
+        </p:nvPicPr>
+        <p:blipFill>
+          <a:blip r:embed="rId2"/>
+          <a:stretch>
+            <a:fillRect/>
+          </a:stretch>
+        </p:blipFill>
+        <p:spPr>
+          <a:xfrm>
+            <a:off x="8125355" y="47624"/>
+            <a:ext cx="3738563" cy="678658"/>
+          </a:xfrm>
+          <a:prstGeom prst="rect">
+            <a:avLst/>
+          </a:prstGeom>
+        </p:spPr>
+      </p:pic>
+      <p:sp>
+        <p:nvSpPr>
+          <p:cNvPr id="9" name="Inhaltsplatzhalter 10">
+            <a:extLst>
+              <a:ext uri="{FF2B5EF4-FFF2-40B4-BE49-F238E27FC236}">
+                <a16:creationId xmlns:a16="http://schemas.microsoft.com/office/drawing/2014/main" id="{B087DA7B-6508-4CB0-6707-2F54F659CCF9}"/>
+              </a:ext>
+            </a:extLst>
+          </p:cNvPr>
+          <p:cNvSpPr>
+            <a:spLocks noGrp="1"/>
+          </p:cNvSpPr>
+          <p:nvPr>
+            <p:ph idx="1"/>
+          </p:nvPr>
+        </p:nvSpPr>
+        <p:spPr>
+          <a:xfrm>
+            <a:off x="609599" y="2106205"/>
+            <a:ext cx="7515755" cy="4528638"/>
+          </a:xfrm>
+        </p:spPr>
+        <p:txBody>
+          <a:bodyPr vert="horz" lIns="91440" tIns="45720" rIns="91440" bIns="45720" rtlCol="0" anchor="t">
+            <a:normAutofit fontScale="92500"/>
+          </a:bodyPr>
+          <a:lstStyle/>
+          <a:p>
+            <a:pPr marL="514350" indent="-514350">
+              <a:buAutoNum type="arabicPeriod"/>
+            </a:pPr>
+            <a:r>
+              <a:rPr lang="de-DE" sz="2800" dirty="0">
+                <a:cs typeface="Arial"/>
+              </a:rPr>
+              <a:t>Input </a:t>
+            </a:r>
+          </a:p>
+          <a:p>
+            <a:pPr marL="514350" indent="-514350">
+              <a:buAutoNum type="arabicPeriod"/>
+            </a:pPr>
+            <a:r>
+              <a:rPr lang="de-DE" sz="2800" dirty="0">
+                <a:cs typeface="Arial"/>
+              </a:rPr>
+              <a:t>Erste 1D-Faltung (32 </a:t>
+            </a:r>
+            <a:r>
+              <a:rPr lang="de-DE" sz="2800" dirty="0" err="1">
+                <a:cs typeface="Arial"/>
+              </a:rPr>
+              <a:t>Convolutions</a:t>
+            </a:r>
+            <a:r>
+              <a:rPr lang="de-DE" sz="2800" dirty="0">
+                <a:cs typeface="Arial"/>
+              </a:rPr>
+              <a:t>-Filter)</a:t>
+            </a:r>
+          </a:p>
+          <a:p>
+            <a:pPr marL="514350" indent="-514350">
+              <a:buAutoNum type="arabicPeriod"/>
+            </a:pPr>
+            <a:r>
+              <a:rPr lang="de-DE" sz="2800" dirty="0">
+                <a:cs typeface="Arial"/>
+              </a:rPr>
+              <a:t>Erstes 1D-Pooling (Abschnittslänge 2)</a:t>
+            </a:r>
+          </a:p>
+          <a:p>
+            <a:pPr marL="514350" indent="-514350">
+              <a:buAutoNum type="arabicPeriod"/>
+            </a:pPr>
+            <a:r>
+              <a:rPr lang="de-DE" sz="2800" dirty="0">
+                <a:cs typeface="Arial"/>
+              </a:rPr>
+              <a:t>Zweite 1D-Faltung (64 </a:t>
+            </a:r>
+            <a:r>
+              <a:rPr lang="de-DE" sz="2800" dirty="0" err="1">
+                <a:cs typeface="Arial"/>
+              </a:rPr>
+              <a:t>Convolutions</a:t>
+            </a:r>
+            <a:r>
+              <a:rPr lang="de-DE" sz="2800" dirty="0">
+                <a:cs typeface="Arial"/>
+              </a:rPr>
+              <a:t>-Filter)</a:t>
+            </a:r>
+          </a:p>
+          <a:p>
+            <a:pPr marL="514350" indent="-514350">
+              <a:buAutoNum type="arabicPeriod"/>
+            </a:pPr>
+            <a:r>
+              <a:rPr lang="de-DE" sz="2800" dirty="0">
+                <a:cs typeface="Arial"/>
+              </a:rPr>
+              <a:t>Zweites 1D-Pooling (Abschnittslänge 2)</a:t>
+            </a:r>
+          </a:p>
+          <a:p>
+            <a:pPr marL="514350" indent="-514350">
+              <a:buAutoNum type="arabicPeriod"/>
+            </a:pPr>
+            <a:r>
+              <a:rPr lang="de-DE" sz="2800" dirty="0">
+                <a:cs typeface="Arial"/>
+              </a:rPr>
+              <a:t>Flatten (1D-Vektor)</a:t>
+            </a:r>
+          </a:p>
+          <a:p>
+            <a:pPr marL="514350" indent="-514350">
+              <a:buAutoNum type="arabicPeriod"/>
+            </a:pPr>
+            <a:r>
+              <a:rPr lang="de-DE" sz="2800" dirty="0">
+                <a:cs typeface="Arial"/>
+              </a:rPr>
+              <a:t>Erste </a:t>
+            </a:r>
+            <a:r>
+              <a:rPr lang="de-DE" sz="2800" dirty="0" err="1">
+                <a:cs typeface="Arial"/>
+              </a:rPr>
+              <a:t>Dense</a:t>
+            </a:r>
+            <a:r>
+              <a:rPr lang="de-DE" sz="2800" dirty="0">
+                <a:cs typeface="Arial"/>
+              </a:rPr>
+              <a:t>-Schicht (64 Neuronen)</a:t>
+            </a:r>
+          </a:p>
+          <a:p>
+            <a:pPr marL="514350" indent="-514350">
+              <a:buAutoNum type="arabicPeriod"/>
+            </a:pPr>
+            <a:r>
+              <a:rPr lang="de-DE" sz="2800" dirty="0">
+                <a:cs typeface="Arial"/>
+              </a:rPr>
+              <a:t>Zweite </a:t>
+            </a:r>
+            <a:r>
+              <a:rPr lang="de-DE" sz="2800" dirty="0" err="1">
+                <a:cs typeface="Arial"/>
+              </a:rPr>
+              <a:t>Dense</a:t>
+            </a:r>
+            <a:r>
+              <a:rPr lang="de-DE" sz="2800" dirty="0">
+                <a:cs typeface="Arial"/>
+              </a:rPr>
+              <a:t>-Schicht (3 Neuronen/Sprecher)</a:t>
+            </a:r>
+          </a:p>
+          <a:p>
+            <a:pPr marL="514350" indent="-514350">
+              <a:buAutoNum type="arabicPeriod"/>
+            </a:pPr>
+            <a:endParaRPr lang="de-DE" sz="2800" dirty="0">
+              <a:cs typeface="Arial"/>
+            </a:endParaRPr>
+          </a:p>
+          <a:p>
+            <a:pPr marL="514350" indent="-514350">
+              <a:buAutoNum type="arabicPeriod"/>
+            </a:pPr>
+            <a:endParaRPr lang="de-DE" sz="2800" dirty="0">
+              <a:cs typeface="Arial"/>
+            </a:endParaRPr>
+          </a:p>
+        </p:txBody>
+      </p:sp>
+    </p:spTree>
+    <p:extLst>
+      <p:ext uri="{BB962C8B-B14F-4D97-AF65-F5344CB8AC3E}">
+        <p14:creationId xmlns:p14="http://schemas.microsoft.com/office/powerpoint/2010/main" val="3353912975"/>
+      </p:ext>
+    </p:extLst>
+  </p:cSld>
+  <p:clrMapOvr>
+    <a:masterClrMapping/>
+  </p:clrMapOvr>
+</p:sld>
+</file>
+
+<file path=ppt/slides/slide7.xml><?xml version="1.0" encoding="utf-8"?>
+<p:sld xmlns:a="http://schemas.openxmlformats.org/drawingml/2006/main" xmlns:r="http://schemas.openxmlformats.org/officeDocument/2006/relationships" xmlns:p="http://schemas.openxmlformats.org/presentationml/2006/main">
+  <p:cSld>
+    <p:spTree>
+      <p:nvGrpSpPr>
+        <p:cNvPr id="1" name="">
+          <a:extLst>
+            <a:ext uri="{FF2B5EF4-FFF2-40B4-BE49-F238E27FC236}">
+              <a16:creationId xmlns:a16="http://schemas.microsoft.com/office/drawing/2014/main" id="{E6929A18-C9FC-59D1-3F0C-428B22BE20D7}"/>
+            </a:ext>
+          </a:extLst>
+        </p:cNvPr>
+        <p:cNvGrpSpPr/>
+        <p:nvPr/>
+      </p:nvGrpSpPr>
+      <p:grpSpPr>
+        <a:xfrm>
+          <a:off x="0" y="0"/>
+          <a:ext cx="0" cy="0"/>
+          <a:chOff x="0" y="0"/>
+          <a:chExt cx="0" cy="0"/>
+        </a:xfrm>
+      </p:grpSpPr>
+      <p:sp>
+        <p:nvSpPr>
+          <p:cNvPr id="2" name="Titel 1">
+            <a:extLst>
+              <a:ext uri="{FF2B5EF4-FFF2-40B4-BE49-F238E27FC236}">
+                <a16:creationId xmlns:a16="http://schemas.microsoft.com/office/drawing/2014/main" id="{C94C5907-B8E6-AEA9-9829-3AA8090224F5}"/>
+              </a:ext>
+            </a:extLst>
+          </p:cNvPr>
+          <p:cNvSpPr>
+            <a:spLocks noGrp="1"/>
+          </p:cNvSpPr>
+          <p:nvPr>
+            <p:ph type="title"/>
+          </p:nvPr>
+        </p:nvSpPr>
+        <p:spPr/>
+        <p:txBody>
+          <a:bodyPr/>
+          <a:lstStyle/>
+          <a:p>
+            <a:r>
+              <a:rPr lang="de-DE" b="1" u="sng" dirty="0">
+                <a:latin typeface="Lucida Bright"/>
+                <a:cs typeface="Posterama"/>
+              </a:rPr>
+              <a:t>Training CNN</a:t>
+            </a:r>
+          </a:p>
+        </p:txBody>
+      </p:sp>
+      <p:sp>
+        <p:nvSpPr>
+          <p:cNvPr id="6" name="Foliennummernplatzhalter 5">
+            <a:extLst>
+              <a:ext uri="{FF2B5EF4-FFF2-40B4-BE49-F238E27FC236}">
+                <a16:creationId xmlns:a16="http://schemas.microsoft.com/office/drawing/2014/main" id="{C3359095-E8F1-F147-72E0-267363FA241C}"/>
+              </a:ext>
+            </a:extLst>
+          </p:cNvPr>
+          <p:cNvSpPr>
+            <a:spLocks noGrp="1"/>
+          </p:cNvSpPr>
+          <p:nvPr>
+            <p:ph type="sldNum" sz="quarter" idx="12"/>
+          </p:nvPr>
+        </p:nvSpPr>
+        <p:spPr/>
+        <p:txBody>
+          <a:bodyPr/>
+          <a:lstStyle/>
+          <a:p>
+            <a:fld id="{1F646F3F-274D-499B-ABBE-824EB4ABDC3D}" type="slidenum">
+              <a:rPr lang="en-US" smtClean="0"/>
+              <a:t>7</a:t>
+            </a:fld>
+            <a:endParaRPr lang="de-DE"/>
+          </a:p>
+        </p:txBody>
+      </p:sp>
+      <p:pic>
+        <p:nvPicPr>
+          <p:cNvPr id="13" name="Grafik 12" descr="Ein Bild, das Text, Schrift, Grafiken, Screenshot enthält.">
+            <a:extLst>
+              <a:ext uri="{FF2B5EF4-FFF2-40B4-BE49-F238E27FC236}">
+                <a16:creationId xmlns:a16="http://schemas.microsoft.com/office/drawing/2014/main" id="{552120D6-828E-1B7E-24C9-50B1997DB314}"/>
+              </a:ext>
+            </a:extLst>
+          </p:cNvPr>
+          <p:cNvPicPr>
+            <a:picLocks noChangeAspect="1"/>
+          </p:cNvPicPr>
+          <p:nvPr/>
+        </p:nvPicPr>
+        <p:blipFill>
+          <a:blip r:embed="rId2"/>
+          <a:stretch>
+            <a:fillRect/>
+          </a:stretch>
+        </p:blipFill>
+        <p:spPr>
+          <a:xfrm>
+            <a:off x="8125355" y="47624"/>
+            <a:ext cx="3738563" cy="678658"/>
+          </a:xfrm>
+          <a:prstGeom prst="rect">
+            <a:avLst/>
+          </a:prstGeom>
+        </p:spPr>
+      </p:pic>
+      <p:pic>
+        <p:nvPicPr>
+          <p:cNvPr id="11" name="Inhaltsplatzhalter 10" descr="Ein Bild, das Text, Screenshot, Karte Menü enthält.&#10;&#10;Automatisch generierte Beschreibung">
+            <a:extLst>
+              <a:ext uri="{FF2B5EF4-FFF2-40B4-BE49-F238E27FC236}">
+                <a16:creationId xmlns:a16="http://schemas.microsoft.com/office/drawing/2014/main" id="{EA29F647-A1A6-309B-FC91-83475C33EF0A}"/>
+              </a:ext>
+            </a:extLst>
+          </p:cNvPr>
+          <p:cNvPicPr>
+            <a:picLocks noGrp="1" noChangeAspect="1"/>
+          </p:cNvPicPr>
+          <p:nvPr>
+            <p:ph idx="1"/>
+          </p:nvPr>
+        </p:nvPicPr>
+        <p:blipFill>
+          <a:blip r:embed="rId3" cstate="print">
+            <a:extLst>
+              <a:ext uri="{28A0092B-C50C-407E-A947-70E740481C1C}">
+                <a14:useLocalDpi xmlns:a14="http://schemas.microsoft.com/office/drawing/2010/main" val="0"/>
+              </a:ext>
+            </a:extLst>
+          </a:blip>
+          <a:stretch>
+            <a:fillRect/>
+          </a:stretch>
+        </p:blipFill>
+        <p:spPr>
+          <a:xfrm>
+            <a:off x="2503883" y="2106613"/>
+            <a:ext cx="7184234" cy="4035425"/>
+          </a:xfrm>
+        </p:spPr>
+      </p:pic>
+    </p:spTree>
+    <p:extLst>
+      <p:ext uri="{BB962C8B-B14F-4D97-AF65-F5344CB8AC3E}">
+        <p14:creationId xmlns:p14="http://schemas.microsoft.com/office/powerpoint/2010/main" val="1010284131"/>
+      </p:ext>
+    </p:extLst>
+  </p:cSld>
+  <p:clrMapOvr>
+    <a:masterClrMapping/>
+  </p:clrMapOvr>
+</p:sld>
+</file>
+
+<file path=ppt/slides/slide8.xml><?xml version="1.0" encoding="utf-8"?>
+<p:sld xmlns:a="http://schemas.openxmlformats.org/drawingml/2006/main" xmlns:r="http://schemas.openxmlformats.org/officeDocument/2006/relationships" xmlns:p="http://schemas.openxmlformats.org/presentationml/2006/main">
+  <p:cSld>
+    <p:spTree>
+      <p:nvGrpSpPr>
+        <p:cNvPr id="1" name="">
+          <a:extLst>
+            <a:ext uri="{FF2B5EF4-FFF2-40B4-BE49-F238E27FC236}">
+              <a16:creationId xmlns:a16="http://schemas.microsoft.com/office/drawing/2014/main" id="{E6DA0CC2-0F59-2C11-06FA-CF839DEC99A6}"/>
+            </a:ext>
+          </a:extLst>
+        </p:cNvPr>
+        <p:cNvGrpSpPr/>
+        <p:nvPr/>
+      </p:nvGrpSpPr>
+      <p:grpSpPr>
+        <a:xfrm>
+          <a:off x="0" y="0"/>
+          <a:ext cx="0" cy="0"/>
+          <a:chOff x="0" y="0"/>
+          <a:chExt cx="0" cy="0"/>
+        </a:xfrm>
+      </p:grpSpPr>
+      <p:sp>
+        <p:nvSpPr>
+          <p:cNvPr id="2" name="Titel 1">
+            <a:extLst>
+              <a:ext uri="{FF2B5EF4-FFF2-40B4-BE49-F238E27FC236}">
+                <a16:creationId xmlns:a16="http://schemas.microsoft.com/office/drawing/2014/main" id="{A17F7793-E54F-F9FF-F8C8-789A33CD7E1A}"/>
+              </a:ext>
+            </a:extLst>
+          </p:cNvPr>
+          <p:cNvSpPr>
+            <a:spLocks noGrp="1"/>
+          </p:cNvSpPr>
+          <p:nvPr>
+            <p:ph type="title"/>
+          </p:nvPr>
+        </p:nvSpPr>
+        <p:spPr/>
+        <p:txBody>
+          <a:bodyPr/>
+          <a:lstStyle/>
+          <a:p>
+            <a:r>
+              <a:rPr lang="de-DE" b="1" u="sng" dirty="0">
+                <a:latin typeface="Lucida Bright"/>
+                <a:cs typeface="Posterama"/>
+              </a:rPr>
+              <a:t>Audioverarbeitung</a:t>
+            </a:r>
+          </a:p>
+        </p:txBody>
+      </p:sp>
+      <p:sp>
+        <p:nvSpPr>
+          <p:cNvPr id="6" name="Foliennummernplatzhalter 5">
+            <a:extLst>
+              <a:ext uri="{FF2B5EF4-FFF2-40B4-BE49-F238E27FC236}">
+                <a16:creationId xmlns:a16="http://schemas.microsoft.com/office/drawing/2014/main" id="{B8D9A034-94B9-14D5-800C-99F5F70F3CC2}"/>
+              </a:ext>
+            </a:extLst>
+          </p:cNvPr>
+          <p:cNvSpPr>
+            <a:spLocks noGrp="1"/>
+          </p:cNvSpPr>
+          <p:nvPr>
+            <p:ph type="sldNum" sz="quarter" idx="12"/>
+          </p:nvPr>
+        </p:nvSpPr>
+        <p:spPr/>
+        <p:txBody>
+          <a:bodyPr/>
+          <a:lstStyle/>
+          <a:p>
+            <a:fld id="{1F646F3F-274D-499B-ABBE-824EB4ABDC3D}" type="slidenum">
+              <a:rPr lang="en-US" smtClean="0"/>
+              <a:t>8</a:t>
+            </a:fld>
+            <a:endParaRPr lang="de-DE"/>
+          </a:p>
+        </p:txBody>
+      </p:sp>
+      <p:sp>
+        <p:nvSpPr>
+          <p:cNvPr id="11" name="Inhaltsplatzhalter 10">
+            <a:extLst>
+              <a:ext uri="{FF2B5EF4-FFF2-40B4-BE49-F238E27FC236}">
+                <a16:creationId xmlns:a16="http://schemas.microsoft.com/office/drawing/2014/main" id="{9AF1DFE3-1A6E-D0F5-489E-A683E3AC8394}"/>
+              </a:ext>
+            </a:extLst>
+          </p:cNvPr>
+          <p:cNvSpPr>
+            <a:spLocks noGrp="1"/>
+          </p:cNvSpPr>
+          <p:nvPr>
+            <p:ph idx="1"/>
+          </p:nvPr>
+        </p:nvSpPr>
+        <p:spPr>
+          <a:xfrm>
+            <a:off x="609600" y="2106204"/>
+            <a:ext cx="10972800" cy="3657781"/>
+          </a:xfrm>
+        </p:spPr>
+        <p:txBody>
+          <a:bodyPr vert="horz" lIns="91440" tIns="45720" rIns="91440" bIns="45720" rtlCol="0" anchor="t">
+            <a:normAutofit/>
+          </a:bodyPr>
+          <a:lstStyle/>
+          <a:p>
+            <a:pPr marL="457200" indent="-457200">
+              <a:buFont typeface="Wingdings" panose="05000000000000000000" pitchFamily="2" charset="2"/>
+              <a:buChar char="§"/>
+            </a:pPr>
+            <a:r>
+              <a:rPr lang="de-DE" sz="2800" dirty="0"/>
+              <a:t>Analyse von jeweils 10 0,1 </a:t>
+            </a:r>
+            <a:r>
+              <a:rPr lang="de-DE" sz="2800" dirty="0" err="1"/>
+              <a:t>sekündigen</a:t>
+            </a:r>
+            <a:r>
+              <a:rPr lang="de-DE" sz="2800" dirty="0"/>
+              <a:t> Frames pro Sekunde</a:t>
+            </a:r>
+          </a:p>
+          <a:p>
+            <a:pPr marL="457200" indent="-457200">
+              <a:buFont typeface="Wingdings" panose="05000000000000000000" pitchFamily="2" charset="2"/>
+              <a:buChar char="§"/>
+            </a:pPr>
+            <a:r>
+              <a:rPr lang="de-DE" sz="2800" dirty="0"/>
+              <a:t>Der am öftesten erkannte Sprecher wird für die Sekunde bestimmt</a:t>
+            </a:r>
+          </a:p>
+          <a:p>
+            <a:pPr marL="457200" indent="-457200">
+              <a:buFont typeface="Wingdings" panose="05000000000000000000" pitchFamily="2" charset="2"/>
+              <a:buChar char="§"/>
+            </a:pPr>
+            <a:r>
+              <a:rPr lang="de-DE" sz="2800" dirty="0"/>
+              <a:t>Ausgabe des Namens nur bei Sprecherwechsel</a:t>
+            </a:r>
+          </a:p>
+        </p:txBody>
+      </p:sp>
+      <p:pic>
+        <p:nvPicPr>
+          <p:cNvPr id="13" name="Grafik 12" descr="Ein Bild, das Text, Schrift, Grafiken, Screenshot enthält.">
+            <a:extLst>
+              <a:ext uri="{FF2B5EF4-FFF2-40B4-BE49-F238E27FC236}">
+                <a16:creationId xmlns:a16="http://schemas.microsoft.com/office/drawing/2014/main" id="{67250A16-3D8D-A8C6-F19D-117FD002707E}"/>
+              </a:ext>
+            </a:extLst>
+          </p:cNvPr>
+          <p:cNvPicPr>
+            <a:picLocks noChangeAspect="1"/>
+          </p:cNvPicPr>
+          <p:nvPr/>
+        </p:nvPicPr>
+        <p:blipFill>
+          <a:blip r:embed="rId2"/>
+          <a:stretch>
+            <a:fillRect/>
+          </a:stretch>
+        </p:blipFill>
+        <p:spPr>
+          <a:xfrm>
+            <a:off x="8125355" y="47624"/>
+            <a:ext cx="3738563" cy="678658"/>
+          </a:xfrm>
+          <a:prstGeom prst="rect">
+            <a:avLst/>
+          </a:prstGeom>
+        </p:spPr>
+      </p:pic>
+    </p:spTree>
+    <p:extLst>
+      <p:ext uri="{BB962C8B-B14F-4D97-AF65-F5344CB8AC3E}">
+        <p14:creationId xmlns:p14="http://schemas.microsoft.com/office/powerpoint/2010/main" val="3441322297"/>
+      </p:ext>
+    </p:extLst>
+  </p:cSld>
+  <p:clrMapOvr>
+    <a:masterClrMapping/>
+  </p:clrMapOvr>
+</p:sld>
+</file>
+
+<file path=ppt/slides/slide9.xml><?xml version="1.0" encoding="utf-8"?>
+<p:sld xmlns:a="http://schemas.openxmlformats.org/drawingml/2006/main" xmlns:r="http://schemas.openxmlformats.org/officeDocument/2006/relationships" xmlns:p="http://schemas.openxmlformats.org/presentationml/2006/main">
+  <p:cSld>
+    <p:spTree>
+      <p:nvGrpSpPr>
+        <p:cNvPr id="1" name=""/>
+        <p:cNvGrpSpPr/>
+        <p:nvPr/>
+      </p:nvGrpSpPr>
+      <p:grpSpPr>
+        <a:xfrm>
+          <a:off x="0" y="0"/>
+          <a:ext cx="0" cy="0"/>
+          <a:chOff x="0" y="0"/>
+          <a:chExt cx="0" cy="0"/>
+        </a:xfrm>
+      </p:grpSpPr>
+      <p:sp>
+        <p:nvSpPr>
+          <p:cNvPr id="2" name="Titel 1">
+            <a:extLst>
+              <a:ext uri="{FF2B5EF4-FFF2-40B4-BE49-F238E27FC236}">
+                <a16:creationId xmlns:a16="http://schemas.microsoft.com/office/drawing/2014/main" id="{5F927641-F6B1-1C11-381B-D4E3D37285D2}"/>
+              </a:ext>
+            </a:extLst>
+          </p:cNvPr>
+          <p:cNvSpPr>
+            <a:spLocks noGrp="1"/>
+          </p:cNvSpPr>
+          <p:nvPr>
+            <p:ph type="title"/>
+          </p:nvPr>
+        </p:nvSpPr>
+        <p:spPr/>
+        <p:txBody>
+          <a:bodyPr/>
+          <a:lstStyle/>
+          <a:p>
+            <a:r>
+              <a:rPr lang="de-DE" b="1" u="sng">
+                <a:latin typeface="Lucida Bright"/>
+                <a:cs typeface="Posterama"/>
+              </a:rPr>
+              <a:t>Planung</a:t>
+            </a:r>
+            <a:endParaRPr lang="de-DE" b="1" u="sng" dirty="0">
+              <a:latin typeface="Lucida Bright"/>
+              <a:cs typeface="Posterama"/>
+            </a:endParaRPr>
+          </a:p>
+        </p:txBody>
+      </p:sp>
+      <p:sp>
+        <p:nvSpPr>
+          <p:cNvPr id="6" name="Foliennummernplatzhalter 5">
+            <a:extLst>
+              <a:ext uri="{FF2B5EF4-FFF2-40B4-BE49-F238E27FC236}">
+                <a16:creationId xmlns:a16="http://schemas.microsoft.com/office/drawing/2014/main" id="{0A1D13E5-5CD6-4D9B-103E-82BE5D070BD1}"/>
+              </a:ext>
+            </a:extLst>
+          </p:cNvPr>
+          <p:cNvSpPr>
+            <a:spLocks noGrp="1"/>
+          </p:cNvSpPr>
+          <p:nvPr>
+            <p:ph type="sldNum" sz="quarter" idx="12"/>
+          </p:nvPr>
+        </p:nvSpPr>
+        <p:spPr/>
+        <p:txBody>
+          <a:bodyPr/>
+          <a:lstStyle/>
+          <a:p>
+            <a:fld id="{1F646F3F-274D-499B-ABBE-824EB4ABDC3D}" type="slidenum">
+              <a:rPr lang="en-US" smtClean="0"/>
+              <a:t>9</a:t>
+            </a:fld>
+            <a:endParaRPr lang="de-DE"/>
+          </a:p>
+        </p:txBody>
+      </p:sp>
+      <p:sp>
+        <p:nvSpPr>
+          <p:cNvPr id="11" name="Inhaltsplatzhalter 10">
+            <a:extLst>
+              <a:ext uri="{FF2B5EF4-FFF2-40B4-BE49-F238E27FC236}">
+                <a16:creationId xmlns:a16="http://schemas.microsoft.com/office/drawing/2014/main" id="{05F80AF8-CB3F-279A-8E5B-30156FCB4095}"/>
+              </a:ext>
+            </a:extLst>
+          </p:cNvPr>
+          <p:cNvSpPr>
+            <a:spLocks noGrp="1"/>
+          </p:cNvSpPr>
+          <p:nvPr>
+            <p:ph idx="1"/>
+          </p:nvPr>
+        </p:nvSpPr>
+        <p:spPr>
+          <a:xfrm>
+            <a:off x="609600" y="2106205"/>
+            <a:ext cx="10972800" cy="3823948"/>
+          </a:xfrm>
+        </p:spPr>
+        <p:txBody>
+          <a:bodyPr vert="horz" lIns="91440" tIns="45720" rIns="91440" bIns="45720" rtlCol="0" anchor="t">
+            <a:normAutofit/>
+          </a:bodyPr>
+          <a:lstStyle/>
+          <a:p>
+            <a:endParaRPr lang="de-DE" sz="2400" dirty="0">
+              <a:latin typeface="Arial"/>
+              <a:cs typeface="Arial"/>
+            </a:endParaRPr>
+          </a:p>
+          <a:p>
+            <a:pPr marL="342900" indent="-342900">
+              <a:buFont typeface="Wingdings,Sans-Serif" panose="05000000000000000000" pitchFamily="2" charset="2"/>
+              <a:buChar char="§"/>
+            </a:pPr>
+            <a:r>
+              <a:rPr lang="de-DE" sz="2400" dirty="0">
+                <a:latin typeface="Arial"/>
+                <a:cs typeface="Arial"/>
+              </a:rPr>
+              <a:t>Weiter Anpassung der Modellen und </a:t>
+            </a:r>
+            <a:r>
+              <a:rPr lang="de-DE" sz="2400" dirty="0" err="1">
+                <a:latin typeface="Arial"/>
+                <a:cs typeface="Arial"/>
+              </a:rPr>
+              <a:t>Otimierung</a:t>
+            </a:r>
+            <a:r>
+              <a:rPr lang="de-DE" sz="2400" dirty="0">
+                <a:latin typeface="Arial"/>
+                <a:cs typeface="Arial"/>
+              </a:rPr>
+              <a:t>.</a:t>
+            </a:r>
+          </a:p>
+          <a:p>
+            <a:pPr marL="342900" indent="-342900">
+              <a:buFont typeface="Wingdings,Sans-Serif" panose="05000000000000000000" pitchFamily="2" charset="2"/>
+              <a:buChar char="§"/>
+            </a:pPr>
+            <a:r>
+              <a:rPr lang="de-DE" sz="2400" dirty="0">
+                <a:latin typeface="Arial"/>
+                <a:cs typeface="Arial"/>
+              </a:rPr>
+              <a:t>Anpassung der Echtzeit-Spracherkennung.</a:t>
+            </a:r>
+          </a:p>
+          <a:p>
+            <a:pPr marL="342900" indent="-342900">
+              <a:buFont typeface="Wingdings,Sans-Serif" panose="05000000000000000000" pitchFamily="2" charset="2"/>
+              <a:buChar char="§"/>
+            </a:pPr>
+            <a:r>
+              <a:rPr lang="de-DE" sz="2400" dirty="0">
+                <a:latin typeface="Arial"/>
+                <a:cs typeface="Arial"/>
+              </a:rPr>
+              <a:t>Weiter Bearbeitung des Transkriptionsalgorithmus.</a:t>
+            </a:r>
+            <a:endParaRPr lang="en-US" sz="2400" dirty="0">
+              <a:latin typeface="Arial"/>
+              <a:cs typeface="Arial"/>
+            </a:endParaRPr>
+          </a:p>
+          <a:p>
+            <a:pPr marL="342900" indent="-342900">
+              <a:buFont typeface="Wingdings,Sans-Serif" panose="05000000000000000000" pitchFamily="2" charset="2"/>
+              <a:buChar char="§"/>
+            </a:pPr>
+            <a:r>
+              <a:rPr lang="de-DE" sz="2400" dirty="0">
+                <a:latin typeface="Arial"/>
+                <a:cs typeface="Arial"/>
+              </a:rPr>
+              <a:t>Vergleich von Ansätzen und Dokumentation.</a:t>
+            </a:r>
+          </a:p>
+          <a:p>
+            <a:pPr marL="342900" indent="-342900">
+              <a:buFont typeface="Wingdings,Sans-Serif" panose="05000000000000000000" pitchFamily="2" charset="2"/>
+              <a:buChar char="§"/>
+            </a:pPr>
+            <a:r>
+              <a:rPr lang="de-DE" sz="2400" dirty="0">
+                <a:latin typeface="Arial"/>
+                <a:cs typeface="Arial"/>
+              </a:rPr>
+              <a:t>Vorstellung der Ergebnisse.</a:t>
+            </a:r>
+            <a:endParaRPr lang="en-US" sz="2400" dirty="0">
+              <a:latin typeface="Arial"/>
+              <a:cs typeface="Arial"/>
+            </a:endParaRPr>
+          </a:p>
+          <a:p>
+            <a:pPr marL="457200" indent="-457200">
+              <a:buFont typeface="Wingdings,Sans-Serif" panose="05000000000000000000" pitchFamily="2" charset="2"/>
+              <a:buChar char="§"/>
+            </a:pPr>
+            <a:endParaRPr lang="de-DE" sz="2800" dirty="0">
+              <a:latin typeface="Arial"/>
+              <a:cs typeface="Arial"/>
+            </a:endParaRPr>
+          </a:p>
+          <a:p>
+            <a:pPr marL="342900" indent="-342900">
+              <a:buFont typeface="Wingdings,Sans-Serif" panose="05000000000000000000" pitchFamily="2" charset="2"/>
+              <a:buChar char="§"/>
+            </a:pPr>
+            <a:endParaRPr lang="de-DE" sz="3600" dirty="0">
+              <a:latin typeface="Arial"/>
+              <a:cs typeface="Arial"/>
+            </a:endParaRPr>
+          </a:p>
+          <a:p>
+            <a:pPr marL="342900" indent="-342900">
+              <a:buFont typeface="Wingdings,Sans-Serif" panose="05000000000000000000" pitchFamily="2" charset="2"/>
+              <a:buChar char="§"/>
+            </a:pPr>
+            <a:endParaRPr lang="de-DE" sz="2800" dirty="0">
+              <a:latin typeface="Arial"/>
+              <a:cs typeface="Arial"/>
+            </a:endParaRPr>
+          </a:p>
+          <a:p>
+            <a:pPr marL="457200" indent="-457200">
+              <a:buFont typeface="Wingdings" panose="05000000000000000000" pitchFamily="2" charset="2"/>
+              <a:buChar char="§"/>
+            </a:pPr>
+            <a:endParaRPr lang="de-DE" sz="2800" b="1" dirty="0">
+              <a:cs typeface="Arial"/>
+            </a:endParaRPr>
+          </a:p>
+          <a:p>
+            <a:endParaRPr lang="de-DE" sz="2800" dirty="0">
+              <a:cs typeface="Arial"/>
+            </a:endParaRPr>
+          </a:p>
+        </p:txBody>
+      </p:sp>
+      <p:pic>
+        <p:nvPicPr>
+          <p:cNvPr id="13" name="Grafik 12" descr="Ein Bild, das Text, Schrift, Grafiken, Screenshot enthält.">
+            <a:extLst>
+              <a:ext uri="{FF2B5EF4-FFF2-40B4-BE49-F238E27FC236}">
+                <a16:creationId xmlns:a16="http://schemas.microsoft.com/office/drawing/2014/main" id="{5333A9AD-A782-28E0-CF2E-35C52F9795F3}"/>
+              </a:ext>
+            </a:extLst>
+          </p:cNvPr>
+          <p:cNvPicPr>
+            <a:picLocks noChangeAspect="1"/>
+          </p:cNvPicPr>
+          <p:nvPr/>
+        </p:nvPicPr>
+        <p:blipFill>
+          <a:blip r:embed="rId2"/>
+          <a:stretch>
+            <a:fillRect/>
+          </a:stretch>
+        </p:blipFill>
+        <p:spPr>
+          <a:xfrm>
+            <a:off x="8125355" y="47624"/>
+            <a:ext cx="3738563" cy="678658"/>
+          </a:xfrm>
+          <a:prstGeom prst="rect">
+            <a:avLst/>
+          </a:prstGeom>
+        </p:spPr>
+      </p:pic>
+    </p:spTree>
+    <p:extLst>
+      <p:ext uri="{BB962C8B-B14F-4D97-AF65-F5344CB8AC3E}">
+        <p14:creationId xmlns:p14="http://schemas.microsoft.com/office/powerpoint/2010/main" val="302205870"/>
+      </p:ext>
+    </p:extLst>
+  </p:cSld>
+  <p:clrMapOvr>
+    <a:masterClrMapping/>
+  </p:clrMapOvr>
 </p:sld>
 </file>
 

--- a/VoiceRecognition_Zwischenstand.pptx
+++ b/VoiceRecognition_Zwischenstand.pptx
@@ -126,6 +126,7 @@
 <file path=ppt/revisionInfo.xml><?xml version="1.0" encoding="utf-8"?>
 <p1510:revInfo xmlns:a="http://schemas.openxmlformats.org/drawingml/2006/main" xmlns:r="http://schemas.openxmlformats.org/officeDocument/2006/relationships" xmlns:p1510="http://schemas.microsoft.com/office/powerpoint/2015/10/main">
   <p1510:revLst>
+    <p1510:client id="{C224451A-0AE4-E0DC-3D08-59B97E9B1F1C}" v="12" dt="2024-12-18T06:26:29.281"/>
     <p1510:client id="{F736DF0C-D77A-ECF1-AEB6-00BCE513FBD7}" v="61" dt="2024-12-18T06:09:33.041"/>
   </p1510:revLst>
 </p1510:revInfo>
@@ -7157,12 +7158,14 @@
         </p:nvSpPr>
         <p:spPr/>
         <p:txBody>
-          <a:bodyPr/>
+          <a:bodyPr>
+            <a:normAutofit/>
+          </a:bodyPr>
           <a:lstStyle/>
           <a:p>
             <a:r>
               <a:rPr lang="de-DE" b="1" u="sng" dirty="0">
-                <a:latin typeface="Lucida Bright"/>
+                <a:latin typeface="Posterama"/>
                 <a:cs typeface="Posterama"/>
               </a:rPr>
               <a:t>Aufbau SVM</a:t>
